--- a/appbuilderbox/Slides/Telerik AppBuilder.pptx
+++ b/appbuilderbox/Slides/Telerik AppBuilder.pptx
@@ -45,19 +45,20 @@
     <p:sldId id="293" r:id="rId39"/>
     <p:sldId id="294" r:id="rId40"/>
     <p:sldId id="295" r:id="rId41"/>
-    <p:sldId id="296" r:id="rId42"/>
-    <p:sldId id="297" r:id="rId43"/>
-    <p:sldId id="298" r:id="rId44"/>
-    <p:sldId id="299" r:id="rId45"/>
-    <p:sldId id="300" r:id="rId46"/>
-    <p:sldId id="301" r:id="rId47"/>
-    <p:sldId id="302" r:id="rId48"/>
-    <p:sldId id="303" r:id="rId49"/>
-    <p:sldId id="304" r:id="rId50"/>
-    <p:sldId id="305" r:id="rId51"/>
-    <p:sldId id="306" r:id="rId52"/>
-    <p:sldId id="307" r:id="rId53"/>
-    <p:sldId id="311" r:id="rId54"/>
+    <p:sldId id="313" r:id="rId42"/>
+    <p:sldId id="296" r:id="rId43"/>
+    <p:sldId id="297" r:id="rId44"/>
+    <p:sldId id="298" r:id="rId45"/>
+    <p:sldId id="299" r:id="rId46"/>
+    <p:sldId id="300" r:id="rId47"/>
+    <p:sldId id="301" r:id="rId48"/>
+    <p:sldId id="302" r:id="rId49"/>
+    <p:sldId id="303" r:id="rId50"/>
+    <p:sldId id="304" r:id="rId51"/>
+    <p:sldId id="305" r:id="rId52"/>
+    <p:sldId id="306" r:id="rId53"/>
+    <p:sldId id="307" r:id="rId54"/>
+    <p:sldId id="311" r:id="rId55"/>
   </p:sldIdLst>
   <p:sldSz cx="9601200" cy="7010400"/>
   <p:notesSz cx="6858000" cy="9144000"/>
@@ -340,7 +341,7 @@
           <a:p>
             <a:fld id="{5988523B-E035-4CAE-A96A-58211FC229D1}" type="datetimeFigureOut">
               <a:rPr lang="en-US" smtClean="0"/>
-              <a:t>12/3/14</a:t>
+              <a:t>12/10/14</a:t>
             </a:fld>
             <a:endParaRPr lang="en-CA"/>
           </a:p>
@@ -508,7 +509,7 @@
           <a:p>
             <a:fld id="{5988523B-E035-4CAE-A96A-58211FC229D1}" type="datetimeFigureOut">
               <a:rPr lang="en-US" smtClean="0"/>
-              <a:t>12/3/14</a:t>
+              <a:t>12/10/14</a:t>
             </a:fld>
             <a:endParaRPr lang="en-CA"/>
           </a:p>
@@ -686,7 +687,7 @@
           <a:p>
             <a:fld id="{5988523B-E035-4CAE-A96A-58211FC229D1}" type="datetimeFigureOut">
               <a:rPr lang="en-US" smtClean="0"/>
-              <a:t>12/3/14</a:t>
+              <a:t>12/10/14</a:t>
             </a:fld>
             <a:endParaRPr lang="en-CA"/>
           </a:p>
@@ -854,7 +855,7 @@
           <a:p>
             <a:fld id="{5988523B-E035-4CAE-A96A-58211FC229D1}" type="datetimeFigureOut">
               <a:rPr lang="en-US" smtClean="0"/>
-              <a:t>12/3/14</a:t>
+              <a:t>12/10/14</a:t>
             </a:fld>
             <a:endParaRPr lang="en-CA"/>
           </a:p>
@@ -1098,7 +1099,7 @@
           <a:p>
             <a:fld id="{5988523B-E035-4CAE-A96A-58211FC229D1}" type="datetimeFigureOut">
               <a:rPr lang="en-US" smtClean="0"/>
-              <a:t>12/3/14</a:t>
+              <a:t>12/10/14</a:t>
             </a:fld>
             <a:endParaRPr lang="en-CA"/>
           </a:p>
@@ -1384,7 +1385,7 @@
           <a:p>
             <a:fld id="{5988523B-E035-4CAE-A96A-58211FC229D1}" type="datetimeFigureOut">
               <a:rPr lang="en-US" smtClean="0"/>
-              <a:t>12/3/14</a:t>
+              <a:t>12/10/14</a:t>
             </a:fld>
             <a:endParaRPr lang="en-CA"/>
           </a:p>
@@ -1804,7 +1805,7 @@
           <a:p>
             <a:fld id="{5988523B-E035-4CAE-A96A-58211FC229D1}" type="datetimeFigureOut">
               <a:rPr lang="en-US" smtClean="0"/>
-              <a:t>12/3/14</a:t>
+              <a:t>12/10/14</a:t>
             </a:fld>
             <a:endParaRPr lang="en-CA"/>
           </a:p>
@@ -1920,7 +1921,7 @@
           <a:p>
             <a:fld id="{5988523B-E035-4CAE-A96A-58211FC229D1}" type="datetimeFigureOut">
               <a:rPr lang="en-US" smtClean="0"/>
-              <a:t>12/3/14</a:t>
+              <a:t>12/10/14</a:t>
             </a:fld>
             <a:endParaRPr lang="en-CA"/>
           </a:p>
@@ -2013,7 +2014,7 @@
           <a:p>
             <a:fld id="{5988523B-E035-4CAE-A96A-58211FC229D1}" type="datetimeFigureOut">
               <a:rPr lang="en-US" smtClean="0"/>
-              <a:t>12/3/14</a:t>
+              <a:t>12/10/14</a:t>
             </a:fld>
             <a:endParaRPr lang="en-CA"/>
           </a:p>
@@ -2288,7 +2289,7 @@
           <a:p>
             <a:fld id="{5988523B-E035-4CAE-A96A-58211FC229D1}" type="datetimeFigureOut">
               <a:rPr lang="en-US" smtClean="0"/>
-              <a:t>12/3/14</a:t>
+              <a:t>12/10/14</a:t>
             </a:fld>
             <a:endParaRPr lang="en-CA"/>
           </a:p>
@@ -2539,7 +2540,7 @@
           <a:p>
             <a:fld id="{5988523B-E035-4CAE-A96A-58211FC229D1}" type="datetimeFigureOut">
               <a:rPr lang="en-US" smtClean="0"/>
-              <a:t>12/3/14</a:t>
+              <a:t>12/10/14</a:t>
             </a:fld>
             <a:endParaRPr lang="en-CA"/>
           </a:p>
@@ -2750,7 +2751,7 @@
           <a:p>
             <a:fld id="{5988523B-E035-4CAE-A96A-58211FC229D1}" type="datetimeFigureOut">
               <a:rPr lang="en-US" smtClean="0"/>
-              <a:t>12/3/14</a:t>
+              <a:t>12/10/14</a:t>
             </a:fld>
             <a:endParaRPr lang="en-CA"/>
           </a:p>
@@ -4177,13 +4178,6 @@
               </a:rPr>
               <a:t>Start</a:t>
             </a:r>
-            <a:endParaRPr lang="en-CA" sz="3876" spc="-10" dirty="0" smtClean="0">
-              <a:solidFill>
-                <a:srgbClr val="FFFFFF"/>
-              </a:solidFill>
-              <a:latin typeface="Bookman Old Style"/>
-              <a:cs typeface="Bookman Old Style"/>
-            </a:endParaRPr>
           </a:p>
           <a:p>
             <a:pPr>
@@ -7004,25 +6998,8 @@
                 <a:latin typeface="Bookman Old Style"/>
                 <a:cs typeface="Bookman Old Style"/>
               </a:rPr>
-              <a:t>Think of it as a shell that runs your Hybrid </a:t>
-            </a:r>
-            <a:r>
-              <a:rPr lang="en-CA" sz="2652" spc="-10" dirty="0" smtClean="0">
-                <a:solidFill>
-                  <a:srgbClr val="FFFFFF"/>
-                </a:solidFill>
-                <a:latin typeface="Bookman Old Style"/>
-                <a:cs typeface="Bookman Old Style"/>
-              </a:rPr>
-              <a:t>app</a:t>
-            </a:r>
-            <a:endParaRPr lang="en-CA" sz="2652" spc="-10" dirty="0" smtClean="0">
-              <a:solidFill>
-                <a:srgbClr val="FFFFFF"/>
-              </a:solidFill>
-              <a:latin typeface="Bookman Old Style"/>
-              <a:cs typeface="Bookman Old Style"/>
-            </a:endParaRPr>
+              <a:t>Think of it as a shell that runs your Hybrid app</a:t>
+            </a:r>
           </a:p>
           <a:p>
             <a:pPr>
@@ -9199,6 +9176,13 @@
   <p:transition xmlns:p14="http://schemas.microsoft.com/office/powerpoint/2010/main" spd="slow">
     <p:push dir="u"/>
   </p:transition>
+  <p:timing>
+    <p:tnLst>
+      <p:par>
+        <p:cTn xmlns:p14="http://schemas.microsoft.com/office/powerpoint/2010/main" id="1" dur="indefinite" restart="never" nodeType="tmRoot"/>
+      </p:par>
+    </p:tnLst>
+  </p:timing>
 </p:sld>
 </file>
 
@@ -9359,6 +9343,13 @@
   <p:transition xmlns:p14="http://schemas.microsoft.com/office/powerpoint/2010/main" spd="slow">
     <p:push dir="u"/>
   </p:transition>
+  <p:timing>
+    <p:tnLst>
+      <p:par>
+        <p:cTn xmlns:p14="http://schemas.microsoft.com/office/powerpoint/2010/main" id="1" dur="indefinite" restart="never" nodeType="tmRoot"/>
+      </p:par>
+    </p:tnLst>
+  </p:timing>
 </p:sld>
 </file>
 
@@ -9578,8 +9569,8 @@
         </p:nvSpPr>
         <p:spPr>
           <a:xfrm>
-            <a:off x="2971800" y="2425700"/>
-            <a:ext cx="4245917" cy="1213174"/>
+            <a:off x="1848272" y="635842"/>
+            <a:ext cx="5907234" cy="1213174"/>
           </a:xfrm>
           <a:prstGeom prst="rect">
             <a:avLst/>
@@ -9605,8 +9596,15 @@
                 <a:latin typeface="Bookman Old Style"/>
                 <a:cs typeface="Bookman Old Style"/>
               </a:rPr>
-              <a:t>One more thing ..</a:t>
-            </a:r>
+              <a:t>Search &amp; Pull in Plugins</a:t>
+            </a:r>
+            <a:endParaRPr lang="en-CA" sz="3876" spc="-10" dirty="0" smtClean="0">
+              <a:solidFill>
+                <a:srgbClr val="FFFFFF"/>
+              </a:solidFill>
+              <a:latin typeface="Bookman Old Style"/>
+              <a:cs typeface="Bookman Old Style"/>
+            </a:endParaRPr>
           </a:p>
           <a:p>
             <a:pPr>
@@ -9632,8 +9630,8 @@
         </p:nvSpPr>
         <p:spPr>
           <a:xfrm>
-            <a:off x="3098800" y="3479800"/>
-            <a:ext cx="3938082" cy="828654"/>
+            <a:off x="2208312" y="1416968"/>
+            <a:ext cx="5274790" cy="828654"/>
           </a:xfrm>
           <a:prstGeom prst="rect">
             <a:avLst/>
@@ -9659,8 +9657,15 @@
                 <a:latin typeface="Bookman Old Style"/>
                 <a:cs typeface="Bookman Old Style"/>
               </a:rPr>
-              <a:t>You can do all this from</a:t>
-            </a:r>
+              <a:t>From right inside your project ..</a:t>
+            </a:r>
+            <a:endParaRPr lang="en-CA" sz="2652" spc="-10" dirty="0" smtClean="0">
+              <a:solidFill>
+                <a:srgbClr val="FFFFFF"/>
+              </a:solidFill>
+              <a:latin typeface="Bookman Old Style"/>
+              <a:cs typeface="Bookman Old Style"/>
+            </a:endParaRPr>
           </a:p>
           <a:p>
             <a:pPr>
@@ -9678,134 +9683,36 @@
           </a:p>
         </p:txBody>
       </p:sp>
-      <p:sp>
-        <p:nvSpPr>
-          <p:cNvPr id="4" name="TextBox 4"/>
-          <p:cNvSpPr txBox="1"/>
-          <p:nvPr/>
-        </p:nvSpPr>
-        <p:spPr>
-          <a:xfrm>
-            <a:off x="2120900" y="4013200"/>
-            <a:ext cx="6163134" cy="828654"/>
-          </a:xfrm>
-          <a:prstGeom prst="rect">
-            <a:avLst/>
-          </a:prstGeom>
-          <a:noFill/>
-        </p:spPr>
-        <p:txBody>
-          <a:bodyPr vert="horz" wrap="none" lIns="0" tIns="0" rIns="0" bIns="0" rtlCol="0">
-            <a:spAutoFit/>
-          </a:bodyPr>
-          <a:lstStyle/>
-          <a:p>
-            <a:pPr>
-              <a:lnSpc>
-                <a:spcPts val="3220"/>
-              </a:lnSpc>
-            </a:pPr>
-            <a:r>
-              <a:rPr lang="en-CA" sz="2652" spc="-10" dirty="0" smtClean="0">
-                <a:solidFill>
-                  <a:srgbClr val="FFFFFF"/>
-                </a:solidFill>
-                <a:latin typeface="Bookman Old Style"/>
-                <a:cs typeface="Bookman Old Style"/>
-              </a:rPr>
-              <a:t>AppBuilder Command Line Interface!</a:t>
-            </a:r>
-          </a:p>
-          <a:p>
-            <a:pPr>
-              <a:lnSpc>
-                <a:spcPts val="3220"/>
-              </a:lnSpc>
-            </a:pPr>
-            <a:endParaRPr lang="en-CA" sz="2792" dirty="0">
-              <a:solidFill>
-                <a:srgbClr val="000000"/>
-              </a:solidFill>
-              <a:latin typeface="Bookman Old Style"/>
-              <a:cs typeface="Bookman Old Style"/>
-            </a:endParaRPr>
-          </a:p>
-        </p:txBody>
-      </p:sp>
-      <p:sp>
-        <p:nvSpPr>
-          <p:cNvPr id="5" name="TextBox 5"/>
-          <p:cNvSpPr txBox="1"/>
-          <p:nvPr/>
-        </p:nvSpPr>
-        <p:spPr>
-          <a:xfrm>
-            <a:off x="2374900" y="4965700"/>
-            <a:ext cx="5213568" cy="828654"/>
-          </a:xfrm>
-          <a:prstGeom prst="rect">
-            <a:avLst/>
-          </a:prstGeom>
-          <a:noFill/>
-        </p:spPr>
-        <p:txBody>
-          <a:bodyPr vert="horz" wrap="none" lIns="0" tIns="0" rIns="0" bIns="0" rtlCol="0">
-            <a:spAutoFit/>
-          </a:bodyPr>
-          <a:lstStyle/>
-          <a:p>
-            <a:pPr>
-              <a:lnSpc>
-                <a:spcPts val="3220"/>
-              </a:lnSpc>
-            </a:pPr>
-            <a:r>
-              <a:rPr lang="en-CA" sz="2652" spc="-10" dirty="0" smtClean="0">
-                <a:solidFill>
-                  <a:srgbClr val="FFFFFF"/>
-                </a:solidFill>
-                <a:latin typeface="Bookman Old Style"/>
-                <a:cs typeface="Bookman Old Style"/>
-              </a:rPr>
-              <a:t>Works on both </a:t>
-            </a:r>
-            <a:r>
-              <a:rPr lang="en-CA" sz="2652" spc="-10" dirty="0" smtClean="0">
-                <a:solidFill>
-                  <a:srgbClr val="FFFFFF"/>
-                </a:solidFill>
-                <a:latin typeface="Bookman Old Style"/>
-                <a:cs typeface="Bookman Old Style"/>
-              </a:rPr>
-              <a:t>OSX </a:t>
-            </a:r>
-            <a:r>
-              <a:rPr lang="en-CA" sz="2652" spc="-10" dirty="0" smtClean="0">
-                <a:solidFill>
-                  <a:srgbClr val="FFFFFF"/>
-                </a:solidFill>
-                <a:latin typeface="Bookman Old Style"/>
-                <a:cs typeface="Bookman Old Style"/>
-              </a:rPr>
-              <a:t>&amp; Windows</a:t>
-            </a:r>
-          </a:p>
-          <a:p>
-            <a:pPr>
-              <a:lnSpc>
-                <a:spcPts val="3220"/>
-              </a:lnSpc>
-            </a:pPr>
-            <a:endParaRPr lang="en-CA" sz="2792" dirty="0">
-              <a:solidFill>
-                <a:srgbClr val="000000"/>
-              </a:solidFill>
-              <a:latin typeface="Bookman Old Style"/>
-              <a:cs typeface="Bookman Old Style"/>
-            </a:endParaRPr>
-          </a:p>
-        </p:txBody>
-      </p:sp>
+      <p:pic>
+        <p:nvPicPr>
+          <p:cNvPr id="7" name="Picture 6" descr="Screen Shot 2014-12-10 at 6.34.23 PM.png"/>
+          <p:cNvPicPr>
+            <a:picLocks noChangeAspect="1"/>
+          </p:cNvPicPr>
+          <p:nvPr/>
+        </p:nvPicPr>
+        <p:blipFill>
+          <a:blip r:embed="rId3">
+            <a:extLst>
+              <a:ext uri="{28A0092B-C50C-407E-A947-70E740481C1C}">
+                <a14:useLocalDpi xmlns:a14="http://schemas.microsoft.com/office/drawing/2010/main" val="0"/>
+              </a:ext>
+            </a:extLst>
+          </a:blip>
+          <a:stretch>
+            <a:fillRect/>
+          </a:stretch>
+        </p:blipFill>
+        <p:spPr>
+          <a:xfrm>
+            <a:off x="1272208" y="1993032"/>
+            <a:ext cx="7300703" cy="4824536"/>
+          </a:xfrm>
+          <a:prstGeom prst="rect">
+            <a:avLst/>
+          </a:prstGeom>
+        </p:spPr>
+      </p:pic>
     </p:spTree>
   </p:cSld>
   <p:clrMapOvr>
@@ -9814,6 +9721,13 @@
   <p:transition xmlns:p14="http://schemas.microsoft.com/office/powerpoint/2010/main" spd="slow">
     <p:push dir="u"/>
   </p:transition>
+  <p:timing>
+    <p:tnLst>
+      <p:par>
+        <p:cTn xmlns:p14="http://schemas.microsoft.com/office/powerpoint/2010/main" id="1" dur="indefinite" restart="never" nodeType="tmRoot"/>
+      </p:par>
+    </p:tnLst>
+  </p:timing>
 </p:sld>
 </file>
 
@@ -9866,8 +9780,8 @@
         </p:nvSpPr>
         <p:spPr>
           <a:xfrm>
-            <a:off x="3175000" y="558800"/>
-            <a:ext cx="3809604" cy="1213174"/>
+            <a:off x="2971800" y="2425700"/>
+            <a:ext cx="4245917" cy="1213174"/>
           </a:xfrm>
           <a:prstGeom prst="rect">
             <a:avLst/>
@@ -9893,7 +9807,7 @@
                 <a:latin typeface="Bookman Old Style"/>
                 <a:cs typeface="Bookman Old Style"/>
               </a:rPr>
-              <a:t>Install &amp; Create</a:t>
+              <a:t>One more thing ..</a:t>
             </a:r>
           </a:p>
           <a:p>
@@ -9920,8 +9834,8 @@
         </p:nvSpPr>
         <p:spPr>
           <a:xfrm>
-            <a:off x="2565400" y="1447800"/>
-            <a:ext cx="7035800" cy="228600"/>
+            <a:off x="3098800" y="3479800"/>
+            <a:ext cx="3938082" cy="828654"/>
           </a:xfrm>
           <a:prstGeom prst="rect">
             <a:avLst/>
@@ -9936,162 +9850,18 @@
           <a:p>
             <a:pPr>
               <a:lnSpc>
-                <a:spcPts val="1380"/>
-              </a:lnSpc>
-            </a:pPr>
-            <a:r>
-              <a:rPr lang="en-CA" sz="1217" smtClean="0">
-                <a:solidFill>
-                  <a:srgbClr val="DBDBDB"/>
-                </a:solidFill>
-                <a:latin typeface="Arial"/>
-                <a:cs typeface="Arial"/>
-              </a:rPr>
-              <a:t>$</a:t>
-            </a:r>
-            <a:r>
-              <a:rPr lang="en-CA" sz="1217" smtClean="0">
-                <a:solidFill>
-                  <a:srgbClr val="E2CDAA"/>
-                </a:solidFill>
-                <a:latin typeface="Arial"/>
-                <a:cs typeface="Arial"/>
-              </a:rPr>
-              <a:t> sudo</a:t>
-            </a:r>
-            <a:r>
-              <a:rPr lang="en-CA" sz="1217" smtClean="0">
-                <a:solidFill>
-                  <a:srgbClr val="DBDBDB"/>
-                </a:solidFill>
-                <a:latin typeface="Arial"/>
-                <a:cs typeface="Arial"/>
-              </a:rPr>
-              <a:t>  npm  install  -g  appbuilder</a:t>
-            </a:r>
-          </a:p>
-          <a:p>
-            <a:pPr>
-              <a:lnSpc>
-                <a:spcPts val="1380"/>
-              </a:lnSpc>
-            </a:pPr>
-            <a:endParaRPr lang="en-CA" sz="1217">
-              <a:solidFill>
-                <a:srgbClr val="000000"/>
-              </a:solidFill>
-            </a:endParaRPr>
-          </a:p>
-        </p:txBody>
-      </p:sp>
-      <p:sp>
-        <p:nvSpPr>
-          <p:cNvPr id="4" name="TextBox 4"/>
-          <p:cNvSpPr txBox="1"/>
-          <p:nvPr/>
-        </p:nvSpPr>
-        <p:spPr>
-          <a:xfrm>
-            <a:off x="2565400" y="1625600"/>
-            <a:ext cx="7035800" cy="228600"/>
-          </a:xfrm>
-          <a:prstGeom prst="rect">
-            <a:avLst/>
-          </a:prstGeom>
-          <a:noFill/>
-        </p:spPr>
-        <p:txBody>
-          <a:bodyPr vert="horz" wrap="none" lIns="0" tIns="0" rIns="0" bIns="0" rtlCol="0">
-            <a:spAutoFit/>
-          </a:bodyPr>
-          <a:lstStyle/>
-          <a:p>
-            <a:pPr>
-              <a:lnSpc>
-                <a:spcPts val="1380"/>
-              </a:lnSpc>
-            </a:pPr>
-            <a:r>
-              <a:rPr lang="en-CA" sz="1217" smtClean="0">
-                <a:solidFill>
-                  <a:srgbClr val="DBDBDB"/>
-                </a:solidFill>
-                <a:latin typeface="Arial"/>
-                <a:cs typeface="Arial"/>
-              </a:rPr>
-              <a:t>$</a:t>
-            </a:r>
-            <a:r>
-              <a:rPr lang="en-CA" sz="1217" smtClean="0">
-                <a:solidFill>
-                  <a:srgbClr val="E2CDAA"/>
-                </a:solidFill>
-                <a:latin typeface="Arial"/>
-                <a:cs typeface="Arial"/>
-              </a:rPr>
-              <a:t> appbuilder</a:t>
-            </a:r>
-            <a:r>
-              <a:rPr lang="en-CA" sz="1217" smtClean="0">
-                <a:solidFill>
-                  <a:srgbClr val="DBDBDB"/>
-                </a:solidFill>
-                <a:latin typeface="Arial"/>
-                <a:cs typeface="Arial"/>
-              </a:rPr>
-              <a:t>  create  hybrid  MyHybridApp</a:t>
-            </a:r>
-          </a:p>
-          <a:p>
-            <a:pPr>
-              <a:lnSpc>
-                <a:spcPts val="1380"/>
-              </a:lnSpc>
-            </a:pPr>
-            <a:endParaRPr lang="en-CA" sz="1217">
-              <a:solidFill>
-                <a:srgbClr val="000000"/>
-              </a:solidFill>
-            </a:endParaRPr>
-          </a:p>
-        </p:txBody>
-      </p:sp>
-      <p:sp>
-        <p:nvSpPr>
-          <p:cNvPr id="5" name="TextBox 5"/>
-          <p:cNvSpPr txBox="1"/>
-          <p:nvPr/>
-        </p:nvSpPr>
-        <p:spPr>
-          <a:xfrm>
-            <a:off x="912168" y="5626100"/>
-            <a:ext cx="8274070" cy="828654"/>
-          </a:xfrm>
-          <a:prstGeom prst="rect">
-            <a:avLst/>
-          </a:prstGeom>
-          <a:noFill/>
-        </p:spPr>
-        <p:txBody>
-          <a:bodyPr vert="horz" wrap="none" lIns="0" tIns="0" rIns="0" bIns="0" rtlCol="0">
-            <a:spAutoFit/>
-          </a:bodyPr>
-          <a:lstStyle/>
-          <a:p>
-            <a:pPr>
-              <a:lnSpc>
                 <a:spcPts val="3220"/>
               </a:lnSpc>
             </a:pPr>
             <a:r>
-              <a:rPr lang="en-CA" sz="2596" spc="-20" dirty="0" smtClean="0">
-                <a:solidFill>
-                  <a:srgbClr val="FFFFFF"/>
-                </a:solidFill>
-                <a:latin typeface="Bookman Old Style"/>
-                <a:cs typeface="Bookman Old Style"/>
-              </a:rPr>
-              <a:t>Same Project structures .. All Templates supported!</a:t>
+              <a:rPr lang="en-CA" sz="2652" spc="-10" dirty="0" smtClean="0">
+                <a:solidFill>
+                  <a:srgbClr val="FFFFFF"/>
+                </a:solidFill>
+                <a:latin typeface="Bookman Old Style"/>
+                <a:cs typeface="Bookman Old Style"/>
+              </a:rPr>
+              <a:t>You can do all this from</a:t>
             </a:r>
           </a:p>
           <a:p>
@@ -10110,7 +9880,120 @@
           </a:p>
         </p:txBody>
       </p:sp>
+      <p:sp>
+        <p:nvSpPr>
+          <p:cNvPr id="4" name="TextBox 4"/>
+          <p:cNvSpPr txBox="1"/>
+          <p:nvPr/>
+        </p:nvSpPr>
+        <p:spPr>
+          <a:xfrm>
+            <a:off x="2120900" y="4013200"/>
+            <a:ext cx="6163134" cy="828654"/>
+          </a:xfrm>
+          <a:prstGeom prst="rect">
+            <a:avLst/>
+          </a:prstGeom>
+          <a:noFill/>
+        </p:spPr>
+        <p:txBody>
+          <a:bodyPr vert="horz" wrap="none" lIns="0" tIns="0" rIns="0" bIns="0" rtlCol="0">
+            <a:spAutoFit/>
+          </a:bodyPr>
+          <a:lstStyle/>
+          <a:p>
+            <a:pPr>
+              <a:lnSpc>
+                <a:spcPts val="3220"/>
+              </a:lnSpc>
+            </a:pPr>
+            <a:r>
+              <a:rPr lang="en-CA" sz="2652" spc="-10" dirty="0" smtClean="0">
+                <a:solidFill>
+                  <a:srgbClr val="FFFFFF"/>
+                </a:solidFill>
+                <a:latin typeface="Bookman Old Style"/>
+                <a:cs typeface="Bookman Old Style"/>
+              </a:rPr>
+              <a:t>AppBuilder Command Line Interface!</a:t>
+            </a:r>
+          </a:p>
+          <a:p>
+            <a:pPr>
+              <a:lnSpc>
+                <a:spcPts val="3220"/>
+              </a:lnSpc>
+            </a:pPr>
+            <a:endParaRPr lang="en-CA" sz="2792" dirty="0">
+              <a:solidFill>
+                <a:srgbClr val="000000"/>
+              </a:solidFill>
+              <a:latin typeface="Bookman Old Style"/>
+              <a:cs typeface="Bookman Old Style"/>
+            </a:endParaRPr>
+          </a:p>
+        </p:txBody>
+      </p:sp>
+      <p:sp>
+        <p:nvSpPr>
+          <p:cNvPr id="5" name="TextBox 5"/>
+          <p:cNvSpPr txBox="1"/>
+          <p:nvPr/>
+        </p:nvSpPr>
+        <p:spPr>
+          <a:xfrm>
+            <a:off x="2374900" y="4965700"/>
+            <a:ext cx="5213568" cy="828654"/>
+          </a:xfrm>
+          <a:prstGeom prst="rect">
+            <a:avLst/>
+          </a:prstGeom>
+          <a:noFill/>
+        </p:spPr>
+        <p:txBody>
+          <a:bodyPr vert="horz" wrap="none" lIns="0" tIns="0" rIns="0" bIns="0" rtlCol="0">
+            <a:spAutoFit/>
+          </a:bodyPr>
+          <a:lstStyle/>
+          <a:p>
+            <a:pPr>
+              <a:lnSpc>
+                <a:spcPts val="3220"/>
+              </a:lnSpc>
+            </a:pPr>
+            <a:r>
+              <a:rPr lang="en-CA" sz="2652" spc="-10" dirty="0" smtClean="0">
+                <a:solidFill>
+                  <a:srgbClr val="FFFFFF"/>
+                </a:solidFill>
+                <a:latin typeface="Bookman Old Style"/>
+                <a:cs typeface="Bookman Old Style"/>
+              </a:rPr>
+              <a:t>Works on both OSX &amp; Windows</a:t>
+            </a:r>
+          </a:p>
+          <a:p>
+            <a:pPr>
+              <a:lnSpc>
+                <a:spcPts val="3220"/>
+              </a:lnSpc>
+            </a:pPr>
+            <a:endParaRPr lang="en-CA" sz="2792" dirty="0">
+              <a:solidFill>
+                <a:srgbClr val="000000"/>
+              </a:solidFill>
+              <a:latin typeface="Bookman Old Style"/>
+              <a:cs typeface="Bookman Old Style"/>
+            </a:endParaRPr>
+          </a:p>
+        </p:txBody>
+      </p:sp>
     </p:spTree>
+    <p:extLst>
+      <p:ext uri="{BB962C8B-B14F-4D97-AF65-F5344CB8AC3E}">
+        <p14:creationId xmlns:p14="http://schemas.microsoft.com/office/powerpoint/2010/main" val="3124532170"/>
+      </p:ext>
+    </p:extLst>
   </p:cSld>
   <p:clrMapOvr>
     <a:masterClrMapping/>
@@ -10118,6 +10001,13 @@
   <p:transition xmlns:p14="http://schemas.microsoft.com/office/powerpoint/2010/main" spd="slow">
     <p:push dir="u"/>
   </p:transition>
+  <p:timing>
+    <p:tnLst>
+      <p:par>
+        <p:cTn xmlns:p14="http://schemas.microsoft.com/office/powerpoint/2010/main" id="1" dur="indefinite" restart="never" nodeType="tmRoot"/>
+      </p:par>
+    </p:tnLst>
+  </p:timing>
 </p:sld>
 </file>
 
@@ -10164,14 +10054,14 @@
       </p:pic>
       <p:sp>
         <p:nvSpPr>
-          <p:cNvPr id="5" name="TextBox 2"/>
+          <p:cNvPr id="6" name="TextBox 2"/>
           <p:cNvSpPr txBox="1"/>
           <p:nvPr/>
         </p:nvSpPr>
         <p:spPr>
           <a:xfrm>
-            <a:off x="3886200" y="622300"/>
-            <a:ext cx="2111563" cy="1213174"/>
+            <a:off x="3175000" y="558800"/>
+            <a:ext cx="3809604" cy="1213174"/>
           </a:xfrm>
           <a:prstGeom prst="rect">
             <a:avLst/>
@@ -10190,14 +10080,14 @@
               </a:lnSpc>
             </a:pPr>
             <a:r>
-              <a:rPr lang="en-CA" sz="3795" spc="-10" dirty="0" smtClean="0">
-                <a:solidFill>
-                  <a:srgbClr val="FFFFFF"/>
-                </a:solidFill>
-                <a:latin typeface="Bookman Old Style"/>
-                <a:cs typeface="Bookman Old Style"/>
-              </a:rPr>
-              <a:t>Simulate</a:t>
+              <a:rPr lang="en-CA" sz="3876" spc="-10" dirty="0" smtClean="0">
+                <a:solidFill>
+                  <a:srgbClr val="FFFFFF"/>
+                </a:solidFill>
+                <a:latin typeface="Bookman Old Style"/>
+                <a:cs typeface="Bookman Old Style"/>
+              </a:rPr>
+              <a:t>Install &amp; Create</a:t>
             </a:r>
           </a:p>
           <a:p>
@@ -10224,8 +10114,8 @@
         </p:nvSpPr>
         <p:spPr>
           <a:xfrm>
-            <a:off x="3454400" y="1346200"/>
-            <a:ext cx="6146800" cy="228600"/>
+            <a:off x="2565400" y="1447800"/>
+            <a:ext cx="7035800" cy="228600"/>
           </a:xfrm>
           <a:prstGeom prst="rect">
             <a:avLst/>
@@ -10261,7 +10151,7 @@
                 <a:latin typeface="Arial"/>
                 <a:cs typeface="Arial"/>
               </a:rPr>
-              <a:t> appbuilder</a:t>
+              <a:t> sudo</a:t>
             </a:r>
             <a:r>
               <a:rPr lang="en-CA" sz="1217" smtClean="0">
@@ -10271,7 +10161,7 @@
                 <a:latin typeface="Arial"/>
                 <a:cs typeface="Arial"/>
               </a:rPr>
-              <a:t>  simulate</a:t>
+              <a:t>  npm  install  -g  appbuilder</a:t>
             </a:r>
           </a:p>
           <a:p>
@@ -10296,8 +10186,8 @@
         </p:nvSpPr>
         <p:spPr>
           <a:xfrm>
-            <a:off x="552128" y="6070600"/>
-            <a:ext cx="8874162" cy="828654"/>
+            <a:off x="2565400" y="1625600"/>
+            <a:ext cx="7035800" cy="228600"/>
           </a:xfrm>
           <a:prstGeom prst="rect">
             <a:avLst/>
@@ -10312,36 +10202,91 @@
           <a:p>
             <a:pPr>
               <a:lnSpc>
+                <a:spcPts val="1380"/>
+              </a:lnSpc>
+            </a:pPr>
+            <a:r>
+              <a:rPr lang="en-CA" sz="1217" smtClean="0">
+                <a:solidFill>
+                  <a:srgbClr val="DBDBDB"/>
+                </a:solidFill>
+                <a:latin typeface="Arial"/>
+                <a:cs typeface="Arial"/>
+              </a:rPr>
+              <a:t>$</a:t>
+            </a:r>
+            <a:r>
+              <a:rPr lang="en-CA" sz="1217" smtClean="0">
+                <a:solidFill>
+                  <a:srgbClr val="E2CDAA"/>
+                </a:solidFill>
+                <a:latin typeface="Arial"/>
+                <a:cs typeface="Arial"/>
+              </a:rPr>
+              <a:t> appbuilder</a:t>
+            </a:r>
+            <a:r>
+              <a:rPr lang="en-CA" sz="1217" smtClean="0">
+                <a:solidFill>
+                  <a:srgbClr val="DBDBDB"/>
+                </a:solidFill>
+                <a:latin typeface="Arial"/>
+                <a:cs typeface="Arial"/>
+              </a:rPr>
+              <a:t>  create  hybrid  MyHybridApp</a:t>
+            </a:r>
+          </a:p>
+          <a:p>
+            <a:pPr>
+              <a:lnSpc>
+                <a:spcPts val="1380"/>
+              </a:lnSpc>
+            </a:pPr>
+            <a:endParaRPr lang="en-CA" sz="1217">
+              <a:solidFill>
+                <a:srgbClr val="000000"/>
+              </a:solidFill>
+            </a:endParaRPr>
+          </a:p>
+        </p:txBody>
+      </p:sp>
+      <p:sp>
+        <p:nvSpPr>
+          <p:cNvPr id="5" name="TextBox 5"/>
+          <p:cNvSpPr txBox="1"/>
+          <p:nvPr/>
+        </p:nvSpPr>
+        <p:spPr>
+          <a:xfrm>
+            <a:off x="912168" y="5626100"/>
+            <a:ext cx="8274070" cy="828654"/>
+          </a:xfrm>
+          <a:prstGeom prst="rect">
+            <a:avLst/>
+          </a:prstGeom>
+          <a:noFill/>
+        </p:spPr>
+        <p:txBody>
+          <a:bodyPr vert="horz" wrap="none" lIns="0" tIns="0" rIns="0" bIns="0" rtlCol="0">
+            <a:spAutoFit/>
+          </a:bodyPr>
+          <a:lstStyle/>
+          <a:p>
+            <a:pPr>
+              <a:lnSpc>
                 <a:spcPts val="3220"/>
               </a:lnSpc>
             </a:pPr>
             <a:r>
-              <a:rPr lang="en-CA" sz="2652" spc="-10" dirty="0" smtClean="0">
-                <a:solidFill>
-                  <a:srgbClr val="FFFFFF"/>
-                </a:solidFill>
-                <a:latin typeface="Bookman Old Style"/>
-                <a:cs typeface="Bookman Old Style"/>
-              </a:rPr>
-              <a:t>Native simulators for iOS, Android &amp; Windows </a:t>
-            </a:r>
-            <a:r>
-              <a:rPr lang="en-CA" sz="2652" spc="-10" dirty="0" smtClean="0">
-                <a:solidFill>
-                  <a:srgbClr val="FFFFFF"/>
-                </a:solidFill>
-                <a:latin typeface="Bookman Old Style"/>
-                <a:cs typeface="Bookman Old Style"/>
-              </a:rPr>
-              <a:t>Phone!</a:t>
-            </a:r>
-            <a:endParaRPr lang="en-CA" sz="2652" spc="-10" dirty="0" smtClean="0">
-              <a:solidFill>
-                <a:srgbClr val="FFFFFF"/>
-              </a:solidFill>
-              <a:latin typeface="Bookman Old Style"/>
-              <a:cs typeface="Bookman Old Style"/>
-            </a:endParaRPr>
+              <a:rPr lang="en-CA" sz="2596" spc="-20" dirty="0" smtClean="0">
+                <a:solidFill>
+                  <a:srgbClr val="FFFFFF"/>
+                </a:solidFill>
+                <a:latin typeface="Bookman Old Style"/>
+                <a:cs typeface="Bookman Old Style"/>
+              </a:rPr>
+              <a:t>Same Project structures .. All Templates supported!</a:t>
+            </a:r>
           </a:p>
           <a:p>
             <a:pPr>
@@ -10367,6 +10312,13 @@
   <p:transition xmlns:p14="http://schemas.microsoft.com/office/powerpoint/2010/main" spd="slow">
     <p:push dir="u"/>
   </p:transition>
+  <p:timing>
+    <p:tnLst>
+      <p:par>
+        <p:cTn xmlns:p14="http://schemas.microsoft.com/office/powerpoint/2010/main" id="1" dur="indefinite" restart="never" nodeType="tmRoot"/>
+      </p:par>
+    </p:tnLst>
+  </p:timing>
 </p:sld>
 </file>
 
@@ -10413,14 +10365,14 @@
       </p:pic>
       <p:sp>
         <p:nvSpPr>
-          <p:cNvPr id="6" name="TextBox 2"/>
+          <p:cNvPr id="5" name="TextBox 2"/>
           <p:cNvSpPr txBox="1"/>
           <p:nvPr/>
         </p:nvSpPr>
         <p:spPr>
           <a:xfrm>
-            <a:off x="4279900" y="2184400"/>
-            <a:ext cx="1271818" cy="1213174"/>
+            <a:off x="3886200" y="622300"/>
+            <a:ext cx="2111563" cy="1213174"/>
           </a:xfrm>
           <a:prstGeom prst="rect">
             <a:avLst/>
@@ -10439,14 +10391,14 @@
               </a:lnSpc>
             </a:pPr>
             <a:r>
-              <a:rPr lang="en-CA" sz="3795" spc="-20" dirty="0" smtClean="0">
-                <a:solidFill>
-                  <a:srgbClr val="FFFFFF"/>
-                </a:solidFill>
-                <a:latin typeface="Bookman Old Style"/>
-                <a:cs typeface="Bookman Old Style"/>
-              </a:rPr>
-              <a:t>Build</a:t>
+              <a:rPr lang="en-CA" sz="3795" spc="-10" dirty="0" smtClean="0">
+                <a:solidFill>
+                  <a:srgbClr val="FFFFFF"/>
+                </a:solidFill>
+                <a:latin typeface="Bookman Old Style"/>
+                <a:cs typeface="Bookman Old Style"/>
+              </a:rPr>
+              <a:t>Simulate</a:t>
             </a:r>
           </a:p>
           <a:p>
@@ -10473,8 +10425,8 @@
         </p:nvSpPr>
         <p:spPr>
           <a:xfrm>
-            <a:off x="2717800" y="3136900"/>
-            <a:ext cx="6883400" cy="228600"/>
+            <a:off x="3454400" y="1346200"/>
+            <a:ext cx="6146800" cy="228600"/>
           </a:xfrm>
           <a:prstGeom prst="rect">
             <a:avLst/>
@@ -10520,7 +10472,7 @@
                 <a:latin typeface="Arial"/>
                 <a:cs typeface="Arial"/>
               </a:rPr>
-              <a:t>  build  ios  -companion</a:t>
+              <a:t>  simulate</a:t>
             </a:r>
           </a:p>
           <a:p>
@@ -10545,8 +10497,8 @@
         </p:nvSpPr>
         <p:spPr>
           <a:xfrm>
-            <a:off x="2717800" y="3302000"/>
-            <a:ext cx="6883400" cy="419100"/>
+            <a:off x="552128" y="6070600"/>
+            <a:ext cx="8874162" cy="828654"/>
           </a:xfrm>
           <a:prstGeom prst="rect">
             <a:avLst/>
@@ -10561,175 +10513,24 @@
           <a:p>
             <a:pPr>
               <a:lnSpc>
-                <a:spcPts val="1500"/>
-              </a:lnSpc>
-            </a:pPr>
-            <a:r>
-              <a:rPr lang="en-CA" sz="1217" smtClean="0">
-                <a:solidFill>
-                  <a:srgbClr val="DBDBDB"/>
-                </a:solidFill>
-                <a:latin typeface="Arial"/>
-                <a:cs typeface="Arial"/>
-              </a:rPr>
-              <a:t>$</a:t>
-            </a:r>
-            <a:r>
-              <a:rPr lang="en-CA" sz="1217" smtClean="0">
-                <a:solidFill>
-                  <a:srgbClr val="E2CDAA"/>
-                </a:solidFill>
-                <a:latin typeface="Arial"/>
-                <a:cs typeface="Arial"/>
-              </a:rPr>
-              <a:t> appbuilder</a:t>
-            </a:r>
-            <a:r>
-              <a:rPr lang="en-CA" sz="1217" smtClean="0">
-                <a:solidFill>
-                  <a:srgbClr val="DBDBDB"/>
-                </a:solidFill>
-                <a:latin typeface="Arial"/>
-                <a:cs typeface="Arial"/>
-              </a:rPr>
-              <a:t>  build  android  --companion</a:t>
-            </a:r>
-            <a:r>
-              <a:rPr lang="en-CA" sz="1217" smtClean="0">
-                <a:solidFill>
-                  <a:srgbClr val="000000"/>
-                </a:solidFill>
-                <a:latin typeface="Times New Roman"/>
-              </a:rPr>
-              <a:t/>
-            </a:r>
-            <a:br>
-              <a:rPr lang="en-CA" sz="1217" smtClean="0">
-                <a:solidFill>
-                  <a:srgbClr val="000000"/>
-                </a:solidFill>
-                <a:latin typeface="Times New Roman"/>
-              </a:rPr>
-            </a:br>
-            <a:r>
-              <a:rPr lang="en-CA" sz="1217" smtClean="0">
-                <a:solidFill>
-                  <a:srgbClr val="DBDBDB"/>
-                </a:solidFill>
-                <a:latin typeface="Arial"/>
-                <a:cs typeface="Arial"/>
-              </a:rPr>
-              <a:t>$</a:t>
-            </a:r>
-            <a:r>
-              <a:rPr lang="en-CA" sz="1217" smtClean="0">
-                <a:solidFill>
-                  <a:srgbClr val="E2CDAA"/>
-                </a:solidFill>
-                <a:latin typeface="Arial"/>
-                <a:cs typeface="Arial"/>
-              </a:rPr>
-              <a:t> appbuilder</a:t>
-            </a:r>
-            <a:r>
-              <a:rPr lang="en-CA" sz="1217" smtClean="0">
-                <a:solidFill>
-                  <a:srgbClr val="DBDBDB"/>
-                </a:solidFill>
-                <a:latin typeface="Arial"/>
-                <a:cs typeface="Arial"/>
-              </a:rPr>
-              <a:t>  build  wp--companion</a:t>
-            </a:r>
-          </a:p>
-          <a:p>
-            <a:pPr>
-              <a:lnSpc>
-                <a:spcPts val="1500"/>
-              </a:lnSpc>
-            </a:pPr>
-            <a:endParaRPr lang="en-CA" sz="1217">
-              <a:solidFill>
-                <a:srgbClr val="000000"/>
-              </a:solidFill>
-            </a:endParaRPr>
-          </a:p>
-        </p:txBody>
-      </p:sp>
-      <p:sp>
-        <p:nvSpPr>
-          <p:cNvPr id="5" name="TextBox 5"/>
-          <p:cNvSpPr txBox="1"/>
-          <p:nvPr/>
-        </p:nvSpPr>
-        <p:spPr>
-          <a:xfrm>
-            <a:off x="2184400" y="4318000"/>
-            <a:ext cx="5738264" cy="1634003"/>
-          </a:xfrm>
-          <a:prstGeom prst="rect">
-            <a:avLst/>
-          </a:prstGeom>
-          <a:noFill/>
-        </p:spPr>
-        <p:txBody>
-          <a:bodyPr vert="horz" wrap="none" lIns="0" tIns="0" rIns="0" bIns="0" rtlCol="0">
-            <a:spAutoFit/>
-          </a:bodyPr>
-          <a:lstStyle/>
-          <a:p>
-            <a:pPr>
-              <a:lnSpc>
-                <a:spcPts val="4300"/>
-              </a:lnSpc>
-              <a:tabLst>
-                <a:tab pos="1003300" algn="l"/>
-              </a:tabLst>
-            </a:pPr>
-            <a:r>
-              <a:rPr lang="en-CA" sz="2596" spc="-10" dirty="0" smtClean="0">
-                <a:solidFill>
-                  <a:srgbClr val="FFFFFF"/>
-                </a:solidFill>
-                <a:latin typeface="Bookman Old Style"/>
-                <a:cs typeface="Bookman Old Style"/>
-              </a:rPr>
-              <a:t>Companion or Native App Packages</a:t>
-            </a:r>
-            <a:r>
-              <a:rPr lang="en-CA" sz="2792" dirty="0" smtClean="0">
-                <a:solidFill>
-                  <a:srgbClr val="000000"/>
-                </a:solidFill>
-                <a:latin typeface="Bookman Old Style"/>
-                <a:cs typeface="Bookman Old Style"/>
-              </a:rPr>
-              <a:t/>
-            </a:r>
-            <a:br>
-              <a:rPr lang="en-CA" sz="2792" dirty="0" smtClean="0">
-                <a:solidFill>
-                  <a:srgbClr val="000000"/>
-                </a:solidFill>
-                <a:latin typeface="Bookman Old Style"/>
-                <a:cs typeface="Bookman Old Style"/>
-              </a:rPr>
-            </a:br>
-            <a:r>
-              <a:rPr lang="en-CA" sz="2596" spc="-10" dirty="0" smtClean="0">
-                <a:solidFill>
-                  <a:srgbClr val="FFFFFF"/>
-                </a:solidFill>
-                <a:latin typeface="Bookman Old Style"/>
-                <a:cs typeface="Bookman Old Style"/>
-              </a:rPr>
-              <a:t>	QR Code Deployment!</a:t>
-            </a:r>
-          </a:p>
-          <a:p>
-            <a:pPr>
-              <a:lnSpc>
-                <a:spcPts val="4300"/>
+                <a:spcPts val="3220"/>
+              </a:lnSpc>
+            </a:pPr>
+            <a:r>
+              <a:rPr lang="en-CA" sz="2652" spc="-10" dirty="0" smtClean="0">
+                <a:solidFill>
+                  <a:srgbClr val="FFFFFF"/>
+                </a:solidFill>
+                <a:latin typeface="Bookman Old Style"/>
+                <a:cs typeface="Bookman Old Style"/>
+              </a:rPr>
+              <a:t>Native simulators for iOS, Android &amp; Windows Phone!</a:t>
+            </a:r>
+          </a:p>
+          <a:p>
+            <a:pPr>
+              <a:lnSpc>
+                <a:spcPts val="3220"/>
               </a:lnSpc>
             </a:pPr>
             <a:endParaRPr lang="en-CA" sz="2792" dirty="0">
@@ -10750,6 +10551,13 @@
   <p:transition xmlns:p14="http://schemas.microsoft.com/office/powerpoint/2010/main" spd="slow">
     <p:push dir="u"/>
   </p:transition>
+  <p:timing>
+    <p:tnLst>
+      <p:par>
+        <p:cTn xmlns:p14="http://schemas.microsoft.com/office/powerpoint/2010/main" id="1" dur="indefinite" restart="never" nodeType="tmRoot"/>
+      </p:par>
+    </p:tnLst>
+  </p:timing>
 </p:sld>
 </file>
 
@@ -10796,14 +10604,14 @@
       </p:pic>
       <p:sp>
         <p:nvSpPr>
-          <p:cNvPr id="4" name="TextBox 2"/>
+          <p:cNvPr id="6" name="TextBox 2"/>
           <p:cNvSpPr txBox="1"/>
           <p:nvPr/>
         </p:nvSpPr>
         <p:spPr>
           <a:xfrm>
-            <a:off x="2489200" y="2641600"/>
-            <a:ext cx="5412740" cy="1213174"/>
+            <a:off x="4279900" y="2184400"/>
+            <a:ext cx="1271818" cy="1213174"/>
           </a:xfrm>
           <a:prstGeom prst="rect">
             <a:avLst/>
@@ -10822,24 +10630,14 @@
               </a:lnSpc>
             </a:pPr>
             <a:r>
-              <a:rPr lang="en-CA" sz="3876" spc="-10" dirty="0" smtClean="0">
-                <a:solidFill>
-                  <a:srgbClr val="FFFFFF"/>
-                </a:solidFill>
-                <a:latin typeface="Bookman Old Style"/>
-                <a:cs typeface="Bookman Old Style"/>
-              </a:rPr>
-              <a:t>And</a:t>
-            </a:r>
-            <a:r>
-              <a:rPr lang="en-CA" sz="3876" spc="-10" dirty="0" smtClean="0">
-                <a:solidFill>
-                  <a:srgbClr val="FFFFFF"/>
-                </a:solidFill>
-                <a:latin typeface="Bookman Old Style"/>
-                <a:cs typeface="Bookman Old Style"/>
-              </a:rPr>
-              <a:t>, one more thing ..</a:t>
+              <a:rPr lang="en-CA" sz="3795" spc="-20" dirty="0" smtClean="0">
+                <a:solidFill>
+                  <a:srgbClr val="FFFFFF"/>
+                </a:solidFill>
+                <a:latin typeface="Bookman Old Style"/>
+                <a:cs typeface="Bookman Old Style"/>
+              </a:rPr>
+              <a:t>Build</a:t>
             </a:r>
           </a:p>
           <a:p>
@@ -10866,8 +10664,8 @@
         </p:nvSpPr>
         <p:spPr>
           <a:xfrm>
-            <a:off x="1993900" y="3835400"/>
-            <a:ext cx="6227741" cy="828654"/>
+            <a:off x="2717800" y="3136900"/>
+            <a:ext cx="6883400" cy="228600"/>
           </a:xfrm>
           <a:prstGeom prst="rect">
             <a:avLst/>
@@ -10882,44 +10680,247 @@
           <a:p>
             <a:pPr>
               <a:lnSpc>
-                <a:spcPts val="3220"/>
-              </a:lnSpc>
-            </a:pPr>
-            <a:r>
-              <a:rPr lang="en-CA" sz="2652" spc="-10" dirty="0" smtClean="0">
-                <a:solidFill>
-                  <a:srgbClr val="FFFFFF"/>
-                </a:solidFill>
-                <a:latin typeface="Bookman Old Style"/>
-                <a:cs typeface="Bookman Old Style"/>
-              </a:rPr>
-              <a:t>We love </a:t>
-            </a:r>
-            <a:r>
-              <a:rPr lang="en-CA" sz="2652" spc="-10" dirty="0" err="1" smtClean="0">
-                <a:solidFill>
-                  <a:srgbClr val="FFFFFF"/>
-                </a:solidFill>
-                <a:latin typeface="Bookman Old Style"/>
-                <a:cs typeface="Bookman Old Style"/>
-              </a:rPr>
-              <a:t>SubLime</a:t>
-            </a:r>
-            <a:r>
-              <a:rPr lang="en-CA" sz="2652" spc="-10" dirty="0" smtClean="0">
-                <a:solidFill>
-                  <a:srgbClr val="FFFFFF"/>
-                </a:solidFill>
-                <a:latin typeface="Bookman Old Style"/>
-                <a:cs typeface="Bookman Old Style"/>
-              </a:rPr>
-              <a:t> Text as much as do!</a:t>
-            </a:r>
-          </a:p>
-          <a:p>
-            <a:pPr>
-              <a:lnSpc>
-                <a:spcPts val="3220"/>
+                <a:spcPts val="1380"/>
+              </a:lnSpc>
+            </a:pPr>
+            <a:r>
+              <a:rPr lang="en-CA" sz="1217" smtClean="0">
+                <a:solidFill>
+                  <a:srgbClr val="DBDBDB"/>
+                </a:solidFill>
+                <a:latin typeface="Arial"/>
+                <a:cs typeface="Arial"/>
+              </a:rPr>
+              <a:t>$</a:t>
+            </a:r>
+            <a:r>
+              <a:rPr lang="en-CA" sz="1217" smtClean="0">
+                <a:solidFill>
+                  <a:srgbClr val="E2CDAA"/>
+                </a:solidFill>
+                <a:latin typeface="Arial"/>
+                <a:cs typeface="Arial"/>
+              </a:rPr>
+              <a:t> appbuilder</a:t>
+            </a:r>
+            <a:r>
+              <a:rPr lang="en-CA" sz="1217" smtClean="0">
+                <a:solidFill>
+                  <a:srgbClr val="DBDBDB"/>
+                </a:solidFill>
+                <a:latin typeface="Arial"/>
+                <a:cs typeface="Arial"/>
+              </a:rPr>
+              <a:t>  build  ios  -companion</a:t>
+            </a:r>
+          </a:p>
+          <a:p>
+            <a:pPr>
+              <a:lnSpc>
+                <a:spcPts val="1380"/>
+              </a:lnSpc>
+            </a:pPr>
+            <a:endParaRPr lang="en-CA" sz="1217">
+              <a:solidFill>
+                <a:srgbClr val="000000"/>
+              </a:solidFill>
+            </a:endParaRPr>
+          </a:p>
+        </p:txBody>
+      </p:sp>
+      <p:sp>
+        <p:nvSpPr>
+          <p:cNvPr id="4" name="TextBox 4"/>
+          <p:cNvSpPr txBox="1"/>
+          <p:nvPr/>
+        </p:nvSpPr>
+        <p:spPr>
+          <a:xfrm>
+            <a:off x="2717800" y="3302000"/>
+            <a:ext cx="6883400" cy="419100"/>
+          </a:xfrm>
+          <a:prstGeom prst="rect">
+            <a:avLst/>
+          </a:prstGeom>
+          <a:noFill/>
+        </p:spPr>
+        <p:txBody>
+          <a:bodyPr vert="horz" wrap="none" lIns="0" tIns="0" rIns="0" bIns="0" rtlCol="0">
+            <a:spAutoFit/>
+          </a:bodyPr>
+          <a:lstStyle/>
+          <a:p>
+            <a:pPr>
+              <a:lnSpc>
+                <a:spcPts val="1500"/>
+              </a:lnSpc>
+            </a:pPr>
+            <a:r>
+              <a:rPr lang="en-CA" sz="1217" smtClean="0">
+                <a:solidFill>
+                  <a:srgbClr val="DBDBDB"/>
+                </a:solidFill>
+                <a:latin typeface="Arial"/>
+                <a:cs typeface="Arial"/>
+              </a:rPr>
+              <a:t>$</a:t>
+            </a:r>
+            <a:r>
+              <a:rPr lang="en-CA" sz="1217" smtClean="0">
+                <a:solidFill>
+                  <a:srgbClr val="E2CDAA"/>
+                </a:solidFill>
+                <a:latin typeface="Arial"/>
+                <a:cs typeface="Arial"/>
+              </a:rPr>
+              <a:t> appbuilder</a:t>
+            </a:r>
+            <a:r>
+              <a:rPr lang="en-CA" sz="1217" smtClean="0">
+                <a:solidFill>
+                  <a:srgbClr val="DBDBDB"/>
+                </a:solidFill>
+                <a:latin typeface="Arial"/>
+                <a:cs typeface="Arial"/>
+              </a:rPr>
+              <a:t>  build  android  --companion</a:t>
+            </a:r>
+            <a:r>
+              <a:rPr lang="en-CA" sz="1217" smtClean="0">
+                <a:solidFill>
+                  <a:srgbClr val="000000"/>
+                </a:solidFill>
+                <a:latin typeface="Times New Roman"/>
+              </a:rPr>
+              <a:t/>
+            </a:r>
+            <a:br>
+              <a:rPr lang="en-CA" sz="1217" smtClean="0">
+                <a:solidFill>
+                  <a:srgbClr val="000000"/>
+                </a:solidFill>
+                <a:latin typeface="Times New Roman"/>
+              </a:rPr>
+            </a:br>
+            <a:r>
+              <a:rPr lang="en-CA" sz="1217" smtClean="0">
+                <a:solidFill>
+                  <a:srgbClr val="DBDBDB"/>
+                </a:solidFill>
+                <a:latin typeface="Arial"/>
+                <a:cs typeface="Arial"/>
+              </a:rPr>
+              <a:t>$</a:t>
+            </a:r>
+            <a:r>
+              <a:rPr lang="en-CA" sz="1217" smtClean="0">
+                <a:solidFill>
+                  <a:srgbClr val="E2CDAA"/>
+                </a:solidFill>
+                <a:latin typeface="Arial"/>
+                <a:cs typeface="Arial"/>
+              </a:rPr>
+              <a:t> appbuilder</a:t>
+            </a:r>
+            <a:r>
+              <a:rPr lang="en-CA" sz="1217" smtClean="0">
+                <a:solidFill>
+                  <a:srgbClr val="DBDBDB"/>
+                </a:solidFill>
+                <a:latin typeface="Arial"/>
+                <a:cs typeface="Arial"/>
+              </a:rPr>
+              <a:t>  build  wp--companion</a:t>
+            </a:r>
+          </a:p>
+          <a:p>
+            <a:pPr>
+              <a:lnSpc>
+                <a:spcPts val="1500"/>
+              </a:lnSpc>
+            </a:pPr>
+            <a:endParaRPr lang="en-CA" sz="1217">
+              <a:solidFill>
+                <a:srgbClr val="000000"/>
+              </a:solidFill>
+            </a:endParaRPr>
+          </a:p>
+        </p:txBody>
+      </p:sp>
+      <p:sp>
+        <p:nvSpPr>
+          <p:cNvPr id="5" name="TextBox 5"/>
+          <p:cNvSpPr txBox="1"/>
+          <p:nvPr/>
+        </p:nvSpPr>
+        <p:spPr>
+          <a:xfrm>
+            <a:off x="2184400" y="4318000"/>
+            <a:ext cx="5738264" cy="1634003"/>
+          </a:xfrm>
+          <a:prstGeom prst="rect">
+            <a:avLst/>
+          </a:prstGeom>
+          <a:noFill/>
+        </p:spPr>
+        <p:txBody>
+          <a:bodyPr vert="horz" wrap="none" lIns="0" tIns="0" rIns="0" bIns="0" rtlCol="0">
+            <a:spAutoFit/>
+          </a:bodyPr>
+          <a:lstStyle/>
+          <a:p>
+            <a:pPr>
+              <a:lnSpc>
+                <a:spcPts val="4300"/>
+              </a:lnSpc>
+              <a:tabLst>
+                <a:tab pos="1003300" algn="l"/>
+              </a:tabLst>
+            </a:pPr>
+            <a:r>
+              <a:rPr lang="en-CA" sz="2596" spc="-10" dirty="0" smtClean="0">
+                <a:solidFill>
+                  <a:srgbClr val="FFFFFF"/>
+                </a:solidFill>
+                <a:latin typeface="Bookman Old Style"/>
+                <a:cs typeface="Bookman Old Style"/>
+              </a:rPr>
+              <a:t>Companion or Native App Packages</a:t>
+            </a:r>
+            <a:r>
+              <a:rPr lang="en-CA" sz="2792" dirty="0" smtClean="0">
+                <a:solidFill>
+                  <a:srgbClr val="000000"/>
+                </a:solidFill>
+                <a:latin typeface="Bookman Old Style"/>
+                <a:cs typeface="Bookman Old Style"/>
+              </a:rPr>
+              <a:t/>
+            </a:r>
+            <a:br>
+              <a:rPr lang="en-CA" sz="2792" dirty="0" smtClean="0">
+                <a:solidFill>
+                  <a:srgbClr val="000000"/>
+                </a:solidFill>
+                <a:latin typeface="Bookman Old Style"/>
+                <a:cs typeface="Bookman Old Style"/>
+              </a:rPr>
+            </a:br>
+            <a:r>
+              <a:rPr lang="en-CA" sz="2596" spc="-10" dirty="0" smtClean="0">
+                <a:solidFill>
+                  <a:srgbClr val="FFFFFF"/>
+                </a:solidFill>
+                <a:latin typeface="Bookman Old Style"/>
+                <a:cs typeface="Bookman Old Style"/>
+              </a:rPr>
+              <a:t>	QR Code Deployment!</a:t>
+            </a:r>
+          </a:p>
+          <a:p>
+            <a:pPr>
+              <a:lnSpc>
+                <a:spcPts val="4300"/>
               </a:lnSpc>
             </a:pPr>
             <a:endParaRPr lang="en-CA" sz="2792" dirty="0">
@@ -10940,6 +10941,13 @@
   <p:transition xmlns:p14="http://schemas.microsoft.com/office/powerpoint/2010/main" spd="slow">
     <p:push dir="u"/>
   </p:transition>
+  <p:timing>
+    <p:tnLst>
+      <p:par>
+        <p:cTn xmlns:p14="http://schemas.microsoft.com/office/powerpoint/2010/main" id="1" dur="indefinite" restart="never" nodeType="tmRoot"/>
+      </p:par>
+    </p:tnLst>
+  </p:timing>
 </p:sld>
 </file>
 
@@ -10986,14 +10994,14 @@
       </p:pic>
       <p:sp>
         <p:nvSpPr>
-          <p:cNvPr id="5" name="TextBox 2"/>
+          <p:cNvPr id="4" name="TextBox 2"/>
           <p:cNvSpPr txBox="1"/>
           <p:nvPr/>
         </p:nvSpPr>
         <p:spPr>
           <a:xfrm>
-            <a:off x="3149600" y="368300"/>
-            <a:ext cx="3847777" cy="1213174"/>
+            <a:off x="2489200" y="2641600"/>
+            <a:ext cx="5412740" cy="1213174"/>
           </a:xfrm>
           <a:prstGeom prst="rect">
             <a:avLst/>
@@ -11019,7 +11027,7 @@
                 <a:latin typeface="Bookman Old Style"/>
                 <a:cs typeface="Bookman Old Style"/>
               </a:rPr>
-              <a:t>Stay in Sublime</a:t>
+              <a:t>And, one more thing ..</a:t>
             </a:r>
           </a:p>
           <a:p>
@@ -11046,8 +11054,8 @@
         </p:nvSpPr>
         <p:spPr>
           <a:xfrm>
-            <a:off x="3771900" y="1054100"/>
-            <a:ext cx="2265137" cy="828654"/>
+            <a:off x="1993900" y="3835400"/>
+            <a:ext cx="6227741" cy="828654"/>
           </a:xfrm>
           <a:prstGeom prst="rect">
             <a:avLst/>
@@ -11073,52 +11081,18 @@
                 <a:latin typeface="Bookman Old Style"/>
                 <a:cs typeface="Bookman Old Style"/>
               </a:rPr>
-              <a:t>All day long ..</a:t>
-            </a:r>
-          </a:p>
-          <a:p>
-            <a:pPr>
-              <a:lnSpc>
-                <a:spcPts val="3220"/>
-              </a:lnSpc>
-            </a:pPr>
-            <a:endParaRPr lang="en-CA" sz="2792" dirty="0">
-              <a:solidFill>
-                <a:srgbClr val="000000"/>
-              </a:solidFill>
-              <a:latin typeface="Bookman Old Style"/>
-              <a:cs typeface="Bookman Old Style"/>
-            </a:endParaRPr>
-          </a:p>
-        </p:txBody>
-      </p:sp>
-      <p:sp>
-        <p:nvSpPr>
-          <p:cNvPr id="4" name="TextBox 4"/>
-          <p:cNvSpPr txBox="1"/>
-          <p:nvPr/>
-        </p:nvSpPr>
-        <p:spPr>
-          <a:xfrm>
-            <a:off x="1752600" y="1587500"/>
-            <a:ext cx="6947513" cy="828654"/>
-          </a:xfrm>
-          <a:prstGeom prst="rect">
-            <a:avLst/>
-          </a:prstGeom>
-          <a:noFill/>
-        </p:spPr>
-        <p:txBody>
-          <a:bodyPr vert="horz" wrap="none" lIns="0" tIns="0" rIns="0" bIns="0" rtlCol="0">
-            <a:spAutoFit/>
-          </a:bodyPr>
-          <a:lstStyle/>
-          <a:p>
-            <a:pPr>
-              <a:lnSpc>
-                <a:spcPts val="3220"/>
-              </a:lnSpc>
-            </a:pPr>
+              <a:t>We love </a:t>
+            </a:r>
+            <a:r>
+              <a:rPr lang="en-CA" sz="2652" spc="-10" dirty="0" err="1" smtClean="0">
+                <a:solidFill>
+                  <a:srgbClr val="FFFFFF"/>
+                </a:solidFill>
+                <a:latin typeface="Bookman Old Style"/>
+                <a:cs typeface="Bookman Old Style"/>
+              </a:rPr>
+              <a:t>SubLime</a:t>
+            </a:r>
             <a:r>
               <a:rPr lang="en-CA" sz="2652" spc="-10" dirty="0" smtClean="0">
                 <a:solidFill>
@@ -11127,7 +11101,7 @@
                 <a:latin typeface="Bookman Old Style"/>
                 <a:cs typeface="Bookman Old Style"/>
               </a:rPr>
-              <a:t>With the AppBuilder Package for Sublime!</a:t>
+              <a:t> Text as much as do!</a:t>
             </a:r>
           </a:p>
           <a:p>
@@ -11154,6 +11128,13 @@
   <p:transition xmlns:p14="http://schemas.microsoft.com/office/powerpoint/2010/main" spd="slow">
     <p:push dir="u"/>
   </p:transition>
+  <p:timing>
+    <p:tnLst>
+      <p:par>
+        <p:cTn xmlns:p14="http://schemas.microsoft.com/office/powerpoint/2010/main" id="1" dur="indefinite" restart="never" nodeType="tmRoot"/>
+      </p:par>
+    </p:tnLst>
+  </p:timing>
 </p:sld>
 </file>
 
@@ -11200,14 +11181,14 @@
       </p:pic>
       <p:sp>
         <p:nvSpPr>
-          <p:cNvPr id="3" name="TextBox 2"/>
+          <p:cNvPr id="5" name="TextBox 2"/>
           <p:cNvSpPr txBox="1"/>
           <p:nvPr/>
         </p:nvSpPr>
         <p:spPr>
           <a:xfrm>
-            <a:off x="3225800" y="889000"/>
-            <a:ext cx="3680495" cy="1213174"/>
+            <a:off x="3149600" y="368300"/>
+            <a:ext cx="3847777" cy="1213174"/>
           </a:xfrm>
           <a:prstGeom prst="rect">
             <a:avLst/>
@@ -11233,7 +11214,7 @@
                 <a:latin typeface="Bookman Old Style"/>
                 <a:cs typeface="Bookman Old Style"/>
               </a:rPr>
-              <a:t>Build &amp; Deploy</a:t>
+              <a:t>Stay in Sublime</a:t>
             </a:r>
           </a:p>
           <a:p>
@@ -11243,6 +11224,114 @@
               </a:lnSpc>
             </a:pPr>
             <a:endParaRPr lang="en-CA" sz="4080" dirty="0">
+              <a:solidFill>
+                <a:srgbClr val="000000"/>
+              </a:solidFill>
+              <a:latin typeface="Bookman Old Style"/>
+              <a:cs typeface="Bookman Old Style"/>
+            </a:endParaRPr>
+          </a:p>
+        </p:txBody>
+      </p:sp>
+      <p:sp>
+        <p:nvSpPr>
+          <p:cNvPr id="3" name="TextBox 3"/>
+          <p:cNvSpPr txBox="1"/>
+          <p:nvPr/>
+        </p:nvSpPr>
+        <p:spPr>
+          <a:xfrm>
+            <a:off x="3771900" y="1054100"/>
+            <a:ext cx="2265137" cy="828654"/>
+          </a:xfrm>
+          <a:prstGeom prst="rect">
+            <a:avLst/>
+          </a:prstGeom>
+          <a:noFill/>
+        </p:spPr>
+        <p:txBody>
+          <a:bodyPr vert="horz" wrap="none" lIns="0" tIns="0" rIns="0" bIns="0" rtlCol="0">
+            <a:spAutoFit/>
+          </a:bodyPr>
+          <a:lstStyle/>
+          <a:p>
+            <a:pPr>
+              <a:lnSpc>
+                <a:spcPts val="3220"/>
+              </a:lnSpc>
+            </a:pPr>
+            <a:r>
+              <a:rPr lang="en-CA" sz="2652" spc="-10" dirty="0" smtClean="0">
+                <a:solidFill>
+                  <a:srgbClr val="FFFFFF"/>
+                </a:solidFill>
+                <a:latin typeface="Bookman Old Style"/>
+                <a:cs typeface="Bookman Old Style"/>
+              </a:rPr>
+              <a:t>All day long ..</a:t>
+            </a:r>
+          </a:p>
+          <a:p>
+            <a:pPr>
+              <a:lnSpc>
+                <a:spcPts val="3220"/>
+              </a:lnSpc>
+            </a:pPr>
+            <a:endParaRPr lang="en-CA" sz="2792" dirty="0">
+              <a:solidFill>
+                <a:srgbClr val="000000"/>
+              </a:solidFill>
+              <a:latin typeface="Bookman Old Style"/>
+              <a:cs typeface="Bookman Old Style"/>
+            </a:endParaRPr>
+          </a:p>
+        </p:txBody>
+      </p:sp>
+      <p:sp>
+        <p:nvSpPr>
+          <p:cNvPr id="4" name="TextBox 4"/>
+          <p:cNvSpPr txBox="1"/>
+          <p:nvPr/>
+        </p:nvSpPr>
+        <p:spPr>
+          <a:xfrm>
+            <a:off x="1752600" y="1587500"/>
+            <a:ext cx="6947513" cy="828654"/>
+          </a:xfrm>
+          <a:prstGeom prst="rect">
+            <a:avLst/>
+          </a:prstGeom>
+          <a:noFill/>
+        </p:spPr>
+        <p:txBody>
+          <a:bodyPr vert="horz" wrap="none" lIns="0" tIns="0" rIns="0" bIns="0" rtlCol="0">
+            <a:spAutoFit/>
+          </a:bodyPr>
+          <a:lstStyle/>
+          <a:p>
+            <a:pPr>
+              <a:lnSpc>
+                <a:spcPts val="3220"/>
+              </a:lnSpc>
+            </a:pPr>
+            <a:r>
+              <a:rPr lang="en-CA" sz="2652" spc="-10" dirty="0" smtClean="0">
+                <a:solidFill>
+                  <a:srgbClr val="FFFFFF"/>
+                </a:solidFill>
+                <a:latin typeface="Bookman Old Style"/>
+                <a:cs typeface="Bookman Old Style"/>
+              </a:rPr>
+              <a:t>With the AppBuilder Package for Sublime!</a:t>
+            </a:r>
+          </a:p>
+          <a:p>
+            <a:pPr>
+              <a:lnSpc>
+                <a:spcPts val="3220"/>
+              </a:lnSpc>
+            </a:pPr>
+            <a:endParaRPr lang="en-CA" sz="2792" dirty="0">
               <a:solidFill>
                 <a:srgbClr val="000000"/>
               </a:solidFill>
@@ -11306,14 +11395,14 @@
       </p:pic>
       <p:sp>
         <p:nvSpPr>
-          <p:cNvPr id="5" name="TextBox 2"/>
+          <p:cNvPr id="3" name="TextBox 2"/>
           <p:cNvSpPr txBox="1"/>
           <p:nvPr/>
         </p:nvSpPr>
         <p:spPr>
           <a:xfrm>
-            <a:off x="3162300" y="1866900"/>
-            <a:ext cx="3822382" cy="1213174"/>
+            <a:off x="3225800" y="889000"/>
+            <a:ext cx="3680495" cy="1213174"/>
           </a:xfrm>
           <a:prstGeom prst="rect">
             <a:avLst/>
@@ -11332,14 +11421,14 @@
               </a:lnSpc>
             </a:pPr>
             <a:r>
-              <a:rPr lang="en-CA" sz="3795" spc="-10" dirty="0" smtClean="0">
-                <a:solidFill>
-                  <a:srgbClr val="FFFFFF"/>
-                </a:solidFill>
-                <a:latin typeface="Bookman Old Style"/>
-                <a:cs typeface="Bookman Old Style"/>
-              </a:rPr>
-              <a:t>One last thing ..</a:t>
+              <a:rPr lang="en-CA" sz="3876" spc="-10" dirty="0" smtClean="0">
+                <a:solidFill>
+                  <a:srgbClr val="FFFFFF"/>
+                </a:solidFill>
+                <a:latin typeface="Bookman Old Style"/>
+                <a:cs typeface="Bookman Old Style"/>
+              </a:rPr>
+              <a:t>Build &amp; Deploy</a:t>
             </a:r>
           </a:p>
           <a:p>
@@ -11349,146 +11438,6 @@
               </a:lnSpc>
             </a:pPr>
             <a:endParaRPr lang="en-CA" sz="4080" dirty="0">
-              <a:solidFill>
-                <a:srgbClr val="000000"/>
-              </a:solidFill>
-              <a:latin typeface="Bookman Old Style"/>
-              <a:cs typeface="Bookman Old Style"/>
-            </a:endParaRPr>
-          </a:p>
-        </p:txBody>
-      </p:sp>
-      <p:sp>
-        <p:nvSpPr>
-          <p:cNvPr id="3" name="TextBox 3"/>
-          <p:cNvSpPr txBox="1"/>
-          <p:nvPr/>
-        </p:nvSpPr>
-        <p:spPr>
-          <a:xfrm>
-            <a:off x="1663700" y="2895600"/>
-            <a:ext cx="6997617" cy="1597668"/>
-          </a:xfrm>
-          <a:prstGeom prst="rect">
-            <a:avLst/>
-          </a:prstGeom>
-          <a:noFill/>
-        </p:spPr>
-        <p:txBody>
-          <a:bodyPr vert="horz" wrap="none" lIns="0" tIns="0" rIns="0" bIns="0" rtlCol="0">
-            <a:spAutoFit/>
-          </a:bodyPr>
-          <a:lstStyle/>
-          <a:p>
-            <a:pPr>
-              <a:lnSpc>
-                <a:spcPts val="4200"/>
-              </a:lnSpc>
-              <a:tabLst>
-                <a:tab pos="1803400" algn="l"/>
-              </a:tabLst>
-            </a:pPr>
-            <a:r>
-              <a:rPr lang="en-CA" sz="2652" spc="-10" dirty="0" smtClean="0">
-                <a:solidFill>
-                  <a:srgbClr val="FFFFFF"/>
-                </a:solidFill>
-                <a:latin typeface="Bookman Old Style"/>
-                <a:cs typeface="Bookman Old Style"/>
-              </a:rPr>
-              <a:t>You know that IDE that developers LOVE?</a:t>
-            </a:r>
-            <a:r>
-              <a:rPr lang="en-CA" sz="2792" dirty="0" smtClean="0">
-                <a:solidFill>
-                  <a:srgbClr val="000000"/>
-                </a:solidFill>
-                <a:latin typeface="Bookman Old Style"/>
-                <a:cs typeface="Bookman Old Style"/>
-              </a:rPr>
-              <a:t/>
-            </a:r>
-            <a:br>
-              <a:rPr lang="en-CA" sz="2792" dirty="0" smtClean="0">
-                <a:solidFill>
-                  <a:srgbClr val="000000"/>
-                </a:solidFill>
-                <a:latin typeface="Bookman Old Style"/>
-                <a:cs typeface="Bookman Old Style"/>
-              </a:rPr>
-            </a:br>
-            <a:r>
-              <a:rPr lang="en-CA" sz="2652" spc="-10" dirty="0" smtClean="0">
-                <a:solidFill>
-                  <a:srgbClr val="FFFFFF"/>
-                </a:solidFill>
-                <a:latin typeface="Bookman Old Style"/>
-                <a:cs typeface="Bookman Old Style"/>
-              </a:rPr>
-              <a:t>	Yup, Visual Studio</a:t>
-            </a:r>
-          </a:p>
-          <a:p>
-            <a:pPr>
-              <a:lnSpc>
-                <a:spcPts val="4200"/>
-              </a:lnSpc>
-            </a:pPr>
-            <a:endParaRPr lang="en-CA" sz="2792" dirty="0">
-              <a:solidFill>
-                <a:srgbClr val="000000"/>
-              </a:solidFill>
-              <a:latin typeface="Bookman Old Style"/>
-              <a:cs typeface="Bookman Old Style"/>
-            </a:endParaRPr>
-          </a:p>
-        </p:txBody>
-      </p:sp>
-      <p:sp>
-        <p:nvSpPr>
-          <p:cNvPr id="4" name="TextBox 4"/>
-          <p:cNvSpPr txBox="1"/>
-          <p:nvPr/>
-        </p:nvSpPr>
-        <p:spPr>
-          <a:xfrm>
-            <a:off x="1536700" y="4597400"/>
-            <a:ext cx="7499731" cy="828654"/>
-          </a:xfrm>
-          <a:prstGeom prst="rect">
-            <a:avLst/>
-          </a:prstGeom>
-          <a:noFill/>
-        </p:spPr>
-        <p:txBody>
-          <a:bodyPr vert="horz" wrap="none" lIns="0" tIns="0" rIns="0" bIns="0" rtlCol="0">
-            <a:spAutoFit/>
-          </a:bodyPr>
-          <a:lstStyle/>
-          <a:p>
-            <a:pPr>
-              <a:lnSpc>
-                <a:spcPts val="3220"/>
-              </a:lnSpc>
-            </a:pPr>
-            <a:r>
-              <a:rPr lang="en-CA" sz="2652" spc="-10" dirty="0" smtClean="0">
-                <a:solidFill>
-                  <a:srgbClr val="FFFFFF"/>
-                </a:solidFill>
-                <a:latin typeface="Bookman Old Style"/>
-                <a:cs typeface="Bookman Old Style"/>
-              </a:rPr>
-              <a:t>Yeah, you can do everything in Visual Studio!</a:t>
-            </a:r>
-          </a:p>
-          <a:p>
-            <a:pPr>
-              <a:lnSpc>
-                <a:spcPts val="3220"/>
-              </a:lnSpc>
-            </a:pPr>
-            <a:endParaRPr lang="en-CA" sz="2792" dirty="0">
               <a:solidFill>
                 <a:srgbClr val="000000"/>
               </a:solidFill>
@@ -11552,14 +11501,14 @@
       </p:pic>
       <p:sp>
         <p:nvSpPr>
-          <p:cNvPr id="4" name="TextBox 2"/>
+          <p:cNvPr id="5" name="TextBox 2"/>
           <p:cNvSpPr txBox="1"/>
           <p:nvPr/>
         </p:nvSpPr>
         <p:spPr>
           <a:xfrm>
-            <a:off x="2159000" y="495300"/>
-            <a:ext cx="6134232" cy="1213174"/>
+            <a:off x="3162300" y="1866900"/>
+            <a:ext cx="3822382" cy="1213174"/>
           </a:xfrm>
           <a:prstGeom prst="rect">
             <a:avLst/>
@@ -11578,14 +11527,14 @@
               </a:lnSpc>
             </a:pPr>
             <a:r>
-              <a:rPr lang="en-CA" sz="3876" spc="-10" dirty="0" smtClean="0">
-                <a:solidFill>
-                  <a:srgbClr val="FFFFFF"/>
-                </a:solidFill>
-                <a:latin typeface="Bookman Old Style"/>
-                <a:cs typeface="Bookman Old Style"/>
-              </a:rPr>
-              <a:t>AppBuilder VS Extension</a:t>
+              <a:rPr lang="en-CA" sz="3795" spc="-10" dirty="0" smtClean="0">
+                <a:solidFill>
+                  <a:srgbClr val="FFFFFF"/>
+                </a:solidFill>
+                <a:latin typeface="Bookman Old Style"/>
+                <a:cs typeface="Bookman Old Style"/>
+              </a:rPr>
+              <a:t>One last thing ..</a:t>
             </a:r>
           </a:p>
           <a:p>
@@ -11612,8 +11561,8 @@
         </p:nvSpPr>
         <p:spPr>
           <a:xfrm>
-            <a:off x="3009900" y="1358900"/>
-            <a:ext cx="4066225" cy="828654"/>
+            <a:off x="1663700" y="2895600"/>
+            <a:ext cx="6997617" cy="1597668"/>
           </a:xfrm>
           <a:prstGeom prst="rect">
             <a:avLst/>
@@ -11628,18 +11577,104 @@
           <a:p>
             <a:pPr>
               <a:lnSpc>
+                <a:spcPts val="4200"/>
+              </a:lnSpc>
+              <a:tabLst>
+                <a:tab pos="1803400" algn="l"/>
+              </a:tabLst>
+            </a:pPr>
+            <a:r>
+              <a:rPr lang="en-CA" sz="2652" spc="-10" dirty="0" smtClean="0">
+                <a:solidFill>
+                  <a:srgbClr val="FFFFFF"/>
+                </a:solidFill>
+                <a:latin typeface="Bookman Old Style"/>
+                <a:cs typeface="Bookman Old Style"/>
+              </a:rPr>
+              <a:t>You know that IDE that developers LOVE?</a:t>
+            </a:r>
+            <a:r>
+              <a:rPr lang="en-CA" sz="2792" dirty="0" smtClean="0">
+                <a:solidFill>
+                  <a:srgbClr val="000000"/>
+                </a:solidFill>
+                <a:latin typeface="Bookman Old Style"/>
+                <a:cs typeface="Bookman Old Style"/>
+              </a:rPr>
+              <a:t/>
+            </a:r>
+            <a:br>
+              <a:rPr lang="en-CA" sz="2792" dirty="0" smtClean="0">
+                <a:solidFill>
+                  <a:srgbClr val="000000"/>
+                </a:solidFill>
+                <a:latin typeface="Bookman Old Style"/>
+                <a:cs typeface="Bookman Old Style"/>
+              </a:rPr>
+            </a:br>
+            <a:r>
+              <a:rPr lang="en-CA" sz="2652" spc="-10" dirty="0" smtClean="0">
+                <a:solidFill>
+                  <a:srgbClr val="FFFFFF"/>
+                </a:solidFill>
+                <a:latin typeface="Bookman Old Style"/>
+                <a:cs typeface="Bookman Old Style"/>
+              </a:rPr>
+              <a:t>	Yup, Visual Studio</a:t>
+            </a:r>
+          </a:p>
+          <a:p>
+            <a:pPr>
+              <a:lnSpc>
+                <a:spcPts val="4200"/>
+              </a:lnSpc>
+            </a:pPr>
+            <a:endParaRPr lang="en-CA" sz="2792" dirty="0">
+              <a:solidFill>
+                <a:srgbClr val="000000"/>
+              </a:solidFill>
+              <a:latin typeface="Bookman Old Style"/>
+              <a:cs typeface="Bookman Old Style"/>
+            </a:endParaRPr>
+          </a:p>
+        </p:txBody>
+      </p:sp>
+      <p:sp>
+        <p:nvSpPr>
+          <p:cNvPr id="4" name="TextBox 4"/>
+          <p:cNvSpPr txBox="1"/>
+          <p:nvPr/>
+        </p:nvSpPr>
+        <p:spPr>
+          <a:xfrm>
+            <a:off x="1536700" y="4597400"/>
+            <a:ext cx="7499731" cy="828654"/>
+          </a:xfrm>
+          <a:prstGeom prst="rect">
+            <a:avLst/>
+          </a:prstGeom>
+          <a:noFill/>
+        </p:spPr>
+        <p:txBody>
+          <a:bodyPr vert="horz" wrap="none" lIns="0" tIns="0" rIns="0" bIns="0" rtlCol="0">
+            <a:spAutoFit/>
+          </a:bodyPr>
+          <a:lstStyle/>
+          <a:p>
+            <a:pPr>
+              <a:lnSpc>
                 <a:spcPts val="3220"/>
               </a:lnSpc>
             </a:pPr>
             <a:r>
-              <a:rPr lang="en-CA" sz="2596" spc="-20" dirty="0" smtClean="0">
-                <a:solidFill>
-                  <a:srgbClr val="FFFFFF"/>
-                </a:solidFill>
-                <a:latin typeface="Bookman Old Style"/>
-                <a:cs typeface="Bookman Old Style"/>
-              </a:rPr>
-              <a:t>Same project templates ..</a:t>
+              <a:rPr lang="en-CA" sz="2652" spc="-10" dirty="0" smtClean="0">
+                <a:solidFill>
+                  <a:srgbClr val="FFFFFF"/>
+                </a:solidFill>
+                <a:latin typeface="Bookman Old Style"/>
+                <a:cs typeface="Bookman Old Style"/>
+              </a:rPr>
+              <a:t>Yeah, you can do everything in Visual Studio!</a:t>
             </a:r>
           </a:p>
           <a:p>
@@ -11718,8 +11753,8 @@
         </p:nvSpPr>
         <p:spPr>
           <a:xfrm>
-            <a:off x="2209800" y="381000"/>
-            <a:ext cx="6013054" cy="1213174"/>
+            <a:off x="2159000" y="495300"/>
+            <a:ext cx="6134232" cy="1213174"/>
           </a:xfrm>
           <a:prstGeom prst="rect">
             <a:avLst/>
@@ -11745,27 +11780,7 @@
                 <a:latin typeface="Bookman Old Style"/>
                 <a:cs typeface="Bookman Old Style"/>
               </a:rPr>
-              <a:t>Build </a:t>
-            </a:r>
-            <a:r>
-              <a:rPr lang="en-CA" sz="3876" spc="-10" dirty="0" smtClean="0">
-                <a:solidFill>
-                  <a:srgbClr val="FFFFFF"/>
-                </a:solidFill>
-                <a:latin typeface="Bookman Old Style"/>
-                <a:cs typeface="Bookman Old Style"/>
-              </a:rPr>
-              <a:t>X-</a:t>
-            </a:r>
-            <a:r>
-              <a:rPr lang="en-CA" sz="3876" spc="-10" dirty="0" smtClean="0">
-                <a:solidFill>
-                  <a:srgbClr val="FFFFFF"/>
-                </a:solidFill>
-                <a:latin typeface="Bookman Old Style"/>
-                <a:cs typeface="Bookman Old Style"/>
-              </a:rPr>
-              <a:t>Plat Mobile apps</a:t>
+              <a:t>AppBuilder VS Extension</a:t>
             </a:r>
           </a:p>
           <a:p>
@@ -11792,8 +11807,8 @@
         </p:nvSpPr>
         <p:spPr>
           <a:xfrm>
-            <a:off x="2159000" y="1066800"/>
-            <a:ext cx="5918746" cy="828654"/>
+            <a:off x="3009900" y="1358900"/>
+            <a:ext cx="4066225" cy="828654"/>
           </a:xfrm>
           <a:prstGeom prst="rect">
             <a:avLst/>
@@ -11812,14 +11827,14 @@
               </a:lnSpc>
             </a:pPr>
             <a:r>
-              <a:rPr lang="en-CA" sz="2652" spc="-10" dirty="0" smtClean="0">
-                <a:solidFill>
-                  <a:srgbClr val="FFFFFF"/>
-                </a:solidFill>
-                <a:latin typeface="Bookman Old Style"/>
-                <a:cs typeface="Bookman Old Style"/>
-              </a:rPr>
-              <a:t>Never having to leave Visual Studio!</a:t>
+              <a:rPr lang="en-CA" sz="2596" spc="-20" dirty="0" smtClean="0">
+                <a:solidFill>
+                  <a:srgbClr val="FFFFFF"/>
+                </a:solidFill>
+                <a:latin typeface="Bookman Old Style"/>
+                <a:cs typeface="Bookman Old Style"/>
+              </a:rPr>
+              <a:t>Same project templates ..</a:t>
             </a:r>
           </a:p>
           <a:p>
@@ -12065,8 +12080,8 @@
         </p:nvSpPr>
         <p:spPr>
           <a:xfrm>
-            <a:off x="1981200" y="419100"/>
-            <a:ext cx="6655772" cy="1213174"/>
+            <a:off x="2209800" y="381000"/>
+            <a:ext cx="6013054" cy="1213174"/>
           </a:xfrm>
           <a:prstGeom prst="rect">
             <a:avLst/>
@@ -12092,7 +12107,7 @@
                 <a:latin typeface="Bookman Old Style"/>
                 <a:cs typeface="Bookman Old Style"/>
               </a:rPr>
-              <a:t>Just hit F5 to run your app</a:t>
+              <a:t>Build X-Plat Mobile apps</a:t>
             </a:r>
           </a:p>
           <a:p>
@@ -12119,8 +12134,8 @@
         </p:nvSpPr>
         <p:spPr>
           <a:xfrm>
-            <a:off x="462942" y="6134100"/>
-            <a:ext cx="8874162" cy="828654"/>
+            <a:off x="2159000" y="1066800"/>
+            <a:ext cx="5918746" cy="828654"/>
           </a:xfrm>
           <a:prstGeom prst="rect">
             <a:avLst/>
@@ -12146,7 +12161,7 @@
                 <a:latin typeface="Bookman Old Style"/>
                 <a:cs typeface="Bookman Old Style"/>
               </a:rPr>
-              <a:t>Native simulators for iOS, Android &amp; Windows Phone!</a:t>
+              <a:t>Never having to leave Visual Studio!</a:t>
             </a:r>
           </a:p>
           <a:p>
@@ -12219,14 +12234,14 @@
       </p:pic>
       <p:sp>
         <p:nvSpPr>
-          <p:cNvPr id="3" name="TextBox 2"/>
+          <p:cNvPr id="4" name="TextBox 2"/>
           <p:cNvSpPr txBox="1"/>
           <p:nvPr/>
         </p:nvSpPr>
         <p:spPr>
           <a:xfrm>
-            <a:off x="984176" y="1739900"/>
-            <a:ext cx="7877097" cy="1213174"/>
+            <a:off x="1981200" y="419100"/>
+            <a:ext cx="6655772" cy="1213174"/>
           </a:xfrm>
           <a:prstGeom prst="rect">
             <a:avLst/>
@@ -12252,7 +12267,7 @@
                 <a:latin typeface="Bookman Old Style"/>
                 <a:cs typeface="Bookman Old Style"/>
               </a:rPr>
-              <a:t>We promised Developer freedom!</a:t>
+              <a:t>Just hit F5 to run your app</a:t>
             </a:r>
           </a:p>
           <a:p>
@@ -12262,6 +12277,60 @@
               </a:lnSpc>
             </a:pPr>
             <a:endParaRPr lang="en-CA" sz="4080" dirty="0">
+              <a:solidFill>
+                <a:srgbClr val="000000"/>
+              </a:solidFill>
+              <a:latin typeface="Bookman Old Style"/>
+              <a:cs typeface="Bookman Old Style"/>
+            </a:endParaRPr>
+          </a:p>
+        </p:txBody>
+      </p:sp>
+      <p:sp>
+        <p:nvSpPr>
+          <p:cNvPr id="3" name="TextBox 3"/>
+          <p:cNvSpPr txBox="1"/>
+          <p:nvPr/>
+        </p:nvSpPr>
+        <p:spPr>
+          <a:xfrm>
+            <a:off x="462942" y="6134100"/>
+            <a:ext cx="8874162" cy="828654"/>
+          </a:xfrm>
+          <a:prstGeom prst="rect">
+            <a:avLst/>
+          </a:prstGeom>
+          <a:noFill/>
+        </p:spPr>
+        <p:txBody>
+          <a:bodyPr vert="horz" wrap="none" lIns="0" tIns="0" rIns="0" bIns="0" rtlCol="0">
+            <a:spAutoFit/>
+          </a:bodyPr>
+          <a:lstStyle/>
+          <a:p>
+            <a:pPr>
+              <a:lnSpc>
+                <a:spcPts val="3220"/>
+              </a:lnSpc>
+            </a:pPr>
+            <a:r>
+              <a:rPr lang="en-CA" sz="2652" spc="-10" dirty="0" smtClean="0">
+                <a:solidFill>
+                  <a:srgbClr val="FFFFFF"/>
+                </a:solidFill>
+                <a:latin typeface="Bookman Old Style"/>
+                <a:cs typeface="Bookman Old Style"/>
+              </a:rPr>
+              <a:t>Native simulators for iOS, Android &amp; Windows Phone!</a:t>
+            </a:r>
+          </a:p>
+          <a:p>
+            <a:pPr>
+              <a:lnSpc>
+                <a:spcPts val="3220"/>
+              </a:lnSpc>
+            </a:pPr>
+            <a:endParaRPr lang="en-CA" sz="2792" dirty="0">
               <a:solidFill>
                 <a:srgbClr val="000000"/>
               </a:solidFill>
@@ -12325,14 +12394,14 @@
       </p:pic>
       <p:sp>
         <p:nvSpPr>
-          <p:cNvPr id="4" name="TextBox 2"/>
+          <p:cNvPr id="3" name="TextBox 2"/>
           <p:cNvSpPr txBox="1"/>
           <p:nvPr/>
         </p:nvSpPr>
         <p:spPr>
           <a:xfrm>
-            <a:off x="3784600" y="2730500"/>
-            <a:ext cx="2421828" cy="1213174"/>
+            <a:off x="984176" y="1739900"/>
+            <a:ext cx="7877097" cy="1213174"/>
           </a:xfrm>
           <a:prstGeom prst="rect">
             <a:avLst/>
@@ -12351,14 +12420,14 @@
               </a:lnSpc>
             </a:pPr>
             <a:r>
-              <a:rPr lang="en-CA" sz="3795" spc="-20" dirty="0" smtClean="0">
-                <a:solidFill>
-                  <a:srgbClr val="FFFFFF"/>
-                </a:solidFill>
-                <a:latin typeface="Bookman Old Style"/>
-                <a:cs typeface="Bookman Old Style"/>
-              </a:rPr>
-              <a:t>It's okay ..</a:t>
+              <a:rPr lang="en-CA" sz="3876" spc="-10" dirty="0" smtClean="0">
+                <a:solidFill>
+                  <a:srgbClr val="FFFFFF"/>
+                </a:solidFill>
+                <a:latin typeface="Bookman Old Style"/>
+                <a:cs typeface="Bookman Old Style"/>
+              </a:rPr>
+              <a:t>We promised Developer freedom!</a:t>
             </a:r>
           </a:p>
           <a:p>
@@ -12368,60 +12437,6 @@
               </a:lnSpc>
             </a:pPr>
             <a:endParaRPr lang="en-CA" sz="4080" dirty="0">
-              <a:solidFill>
-                <a:srgbClr val="000000"/>
-              </a:solidFill>
-              <a:latin typeface="Bookman Old Style"/>
-              <a:cs typeface="Bookman Old Style"/>
-            </a:endParaRPr>
-          </a:p>
-        </p:txBody>
-      </p:sp>
-      <p:sp>
-        <p:nvSpPr>
-          <p:cNvPr id="3" name="TextBox 3"/>
-          <p:cNvSpPr txBox="1"/>
-          <p:nvPr/>
-        </p:nvSpPr>
-        <p:spPr>
-          <a:xfrm>
-            <a:off x="3263900" y="3937000"/>
-            <a:ext cx="3386569" cy="828654"/>
-          </a:xfrm>
-          <a:prstGeom prst="rect">
-            <a:avLst/>
-          </a:prstGeom>
-          <a:noFill/>
-        </p:spPr>
-        <p:txBody>
-          <a:bodyPr vert="horz" wrap="none" lIns="0" tIns="0" rIns="0" bIns="0" rtlCol="0">
-            <a:spAutoFit/>
-          </a:bodyPr>
-          <a:lstStyle/>
-          <a:p>
-            <a:pPr>
-              <a:lnSpc>
-                <a:spcPts val="3220"/>
-              </a:lnSpc>
-            </a:pPr>
-            <a:r>
-              <a:rPr lang="en-CA" sz="2596" spc="-10" dirty="0" smtClean="0">
-                <a:solidFill>
-                  <a:srgbClr val="FFFFFF"/>
-                </a:solidFill>
-                <a:latin typeface="Bookman Old Style"/>
-                <a:cs typeface="Bookman Old Style"/>
-              </a:rPr>
-              <a:t>We're just as excited!</a:t>
-            </a:r>
-          </a:p>
-          <a:p>
-            <a:pPr>
-              <a:lnSpc>
-                <a:spcPts val="3220"/>
-              </a:lnSpc>
-            </a:pPr>
-            <a:endParaRPr lang="en-CA" sz="2792" dirty="0">
               <a:solidFill>
                 <a:srgbClr val="000000"/>
               </a:solidFill>
@@ -12485,14 +12500,14 @@
       </p:pic>
       <p:sp>
         <p:nvSpPr>
-          <p:cNvPr id="5" name="TextBox 2"/>
+          <p:cNvPr id="4" name="TextBox 2"/>
           <p:cNvSpPr txBox="1"/>
           <p:nvPr/>
         </p:nvSpPr>
         <p:spPr>
           <a:xfrm>
-            <a:off x="1600200" y="2082800"/>
-            <a:ext cx="7232749" cy="1213174"/>
+            <a:off x="3784600" y="2730500"/>
+            <a:ext cx="2421828" cy="1213174"/>
           </a:xfrm>
           <a:prstGeom prst="rect">
             <a:avLst/>
@@ -12511,6 +12526,166 @@
               </a:lnSpc>
             </a:pPr>
             <a:r>
+              <a:rPr lang="en-CA" sz="3795" spc="-20" dirty="0" smtClean="0">
+                <a:solidFill>
+                  <a:srgbClr val="FFFFFF"/>
+                </a:solidFill>
+                <a:latin typeface="Bookman Old Style"/>
+                <a:cs typeface="Bookman Old Style"/>
+              </a:rPr>
+              <a:t>It's okay ..</a:t>
+            </a:r>
+          </a:p>
+          <a:p>
+            <a:pPr>
+              <a:lnSpc>
+                <a:spcPts val="4715"/>
+              </a:lnSpc>
+            </a:pPr>
+            <a:endParaRPr lang="en-CA" sz="4080" dirty="0">
+              <a:solidFill>
+                <a:srgbClr val="000000"/>
+              </a:solidFill>
+              <a:latin typeface="Bookman Old Style"/>
+              <a:cs typeface="Bookman Old Style"/>
+            </a:endParaRPr>
+          </a:p>
+        </p:txBody>
+      </p:sp>
+      <p:sp>
+        <p:nvSpPr>
+          <p:cNvPr id="3" name="TextBox 3"/>
+          <p:cNvSpPr txBox="1"/>
+          <p:nvPr/>
+        </p:nvSpPr>
+        <p:spPr>
+          <a:xfrm>
+            <a:off x="3263900" y="3937000"/>
+            <a:ext cx="3386569" cy="828654"/>
+          </a:xfrm>
+          <a:prstGeom prst="rect">
+            <a:avLst/>
+          </a:prstGeom>
+          <a:noFill/>
+        </p:spPr>
+        <p:txBody>
+          <a:bodyPr vert="horz" wrap="none" lIns="0" tIns="0" rIns="0" bIns="0" rtlCol="0">
+            <a:spAutoFit/>
+          </a:bodyPr>
+          <a:lstStyle/>
+          <a:p>
+            <a:pPr>
+              <a:lnSpc>
+                <a:spcPts val="3220"/>
+              </a:lnSpc>
+            </a:pPr>
+            <a:r>
+              <a:rPr lang="en-CA" sz="2596" spc="-10" dirty="0" smtClean="0">
+                <a:solidFill>
+                  <a:srgbClr val="FFFFFF"/>
+                </a:solidFill>
+                <a:latin typeface="Bookman Old Style"/>
+                <a:cs typeface="Bookman Old Style"/>
+              </a:rPr>
+              <a:t>We're just as excited!</a:t>
+            </a:r>
+          </a:p>
+          <a:p>
+            <a:pPr>
+              <a:lnSpc>
+                <a:spcPts val="3220"/>
+              </a:lnSpc>
+            </a:pPr>
+            <a:endParaRPr lang="en-CA" sz="2792" dirty="0">
+              <a:solidFill>
+                <a:srgbClr val="000000"/>
+              </a:solidFill>
+              <a:latin typeface="Bookman Old Style"/>
+              <a:cs typeface="Bookman Old Style"/>
+            </a:endParaRPr>
+          </a:p>
+        </p:txBody>
+      </p:sp>
+    </p:spTree>
+  </p:cSld>
+  <p:clrMapOvr>
+    <a:masterClrMapping/>
+  </p:clrMapOvr>
+  <p:transition xmlns:p14="http://schemas.microsoft.com/office/powerpoint/2010/main" spd="slow">
+    <p:push dir="u"/>
+  </p:transition>
+</p:sld>
+</file>
+
+<file path=ppt/slides/slide54.xml><?xml version="1.0" encoding="utf-8"?>
+<p:sld xmlns:a="http://schemas.openxmlformats.org/drawingml/2006/main" xmlns:r="http://schemas.openxmlformats.org/officeDocument/2006/relationships" xmlns:p="http://schemas.openxmlformats.org/presentationml/2006/main">
+  <p:cSld>
+    <p:spTree>
+      <p:nvGrpSpPr>
+        <p:cNvPr id="1" name=""/>
+        <p:cNvGrpSpPr/>
+        <p:nvPr/>
+      </p:nvGrpSpPr>
+      <p:grpSpPr>
+        <a:xfrm>
+          <a:off x="0" y="0"/>
+          <a:ext cx="0" cy="0"/>
+          <a:chOff x="0" y="0"/>
+          <a:chExt cx="0" cy="0"/>
+        </a:xfrm>
+      </p:grpSpPr>
+      <p:pic>
+        <p:nvPicPr>
+          <p:cNvPr id="2" name="Picture 1"/>
+          <p:cNvPicPr>
+            <a:picLocks/>
+          </p:cNvPicPr>
+          <p:nvPr/>
+        </p:nvPicPr>
+        <p:blipFill>
+          <a:blip r:embed="rId2" cstate="print"/>
+          <a:stretch>
+            <a:fillRect/>
+          </a:stretch>
+        </p:blipFill>
+        <p:spPr>
+          <a:xfrm>
+            <a:off x="0" y="0"/>
+            <a:ext cx="9601200" cy="6997700"/>
+          </a:xfrm>
+          <a:prstGeom prst="rect">
+            <a:avLst/>
+          </a:prstGeom>
+        </p:spPr>
+      </p:pic>
+      <p:sp>
+        <p:nvSpPr>
+          <p:cNvPr id="5" name="TextBox 2"/>
+          <p:cNvSpPr txBox="1"/>
+          <p:nvPr/>
+        </p:nvSpPr>
+        <p:spPr>
+          <a:xfrm>
+            <a:off x="1600200" y="2082800"/>
+            <a:ext cx="7232749" cy="1213174"/>
+          </a:xfrm>
+          <a:prstGeom prst="rect">
+            <a:avLst/>
+          </a:prstGeom>
+          <a:noFill/>
+        </p:spPr>
+        <p:txBody>
+          <a:bodyPr vert="horz" wrap="none" lIns="0" tIns="0" rIns="0" bIns="0" rtlCol="0">
+            <a:spAutoFit/>
+          </a:bodyPr>
+          <a:lstStyle/>
+          <a:p>
+            <a:pPr>
+              <a:lnSpc>
+                <a:spcPts val="4715"/>
+              </a:lnSpc>
+            </a:pPr>
+            <a:r>
               <a:rPr lang="en-CA" sz="3795" spc="-10" dirty="0">
                 <a:solidFill>
                   <a:srgbClr val="FFFFFF"/>
@@ -12528,17 +12703,7 @@
                 <a:latin typeface="Bookman Old Style"/>
                 <a:cs typeface="Bookman Old Style"/>
               </a:rPr>
-              <a:t>-</a:t>
-            </a:r>
-            <a:r>
-              <a:rPr lang="en-CA" sz="3795" spc="-10" dirty="0" smtClean="0">
-                <a:solidFill>
-                  <a:srgbClr val="FFFFFF"/>
-                </a:solidFill>
-                <a:latin typeface="Bookman Old Style"/>
-                <a:cs typeface="Bookman Old Style"/>
-              </a:rPr>
-              <a:t>Plat Mobile Developers Rock</a:t>
+              <a:t>-Plat Mobile Developers Rock</a:t>
             </a:r>
           </a:p>
           <a:p>
@@ -13720,17 +13885,7 @@
                 <a:latin typeface="Bookman Old Style"/>
                 <a:cs typeface="Bookman Old Style"/>
               </a:rPr>
-              <a:t> </a:t>
-            </a:r>
-            <a:r>
-              <a:rPr lang="en-CA" sz="2596" spc="-10" dirty="0" smtClean="0">
-                <a:solidFill>
-                  <a:srgbClr val="FFFFFF"/>
-                </a:solidFill>
-                <a:latin typeface="Bookman Old Style"/>
-                <a:cs typeface="Bookman Old Style"/>
-              </a:rPr>
-              <a:t>All needed Services</a:t>
+              <a:t> All needed Services</a:t>
             </a:r>
           </a:p>
           <a:p>
